--- a/dmd/ATP_SCH/dmd_solution.pptx
+++ b/dmd/ATP_SCH/dmd_solution.pptx
@@ -105,6 +105,11 @@
       </a:defRPr>
     </a:lvl9pPr>
   </p:defaultTextStyle>
+  <p:extLst>
+    <p:ext uri="{EFAFB233-063F-42B5-8137-9DF3F51BA10A}">
+      <p15:sldGuideLst xmlns:p15="http://schemas.microsoft.com/office/powerpoint/2012/main"/>
+    </p:ext>
+  </p:extLst>
 </p:presentation>
 </file>
 
@@ -255,7 +260,7 @@
           <a:p>
             <a:fld id="{86D58D26-1330-43F8-BD55-C19A0B8AC632}" type="datetimeFigureOut">
               <a:rPr lang="zh-CN" altLang="en-US" smtClean="0"/>
-              <a:t>2025/3/1</a:t>
+              <a:t>2025/4/1</a:t>
             </a:fld>
             <a:endParaRPr lang="zh-CN" altLang="en-US"/>
           </a:p>
@@ -453,7 +458,7 @@
           <a:p>
             <a:fld id="{86D58D26-1330-43F8-BD55-C19A0B8AC632}" type="datetimeFigureOut">
               <a:rPr lang="zh-CN" altLang="en-US" smtClean="0"/>
-              <a:t>2025/3/1</a:t>
+              <a:t>2025/4/1</a:t>
             </a:fld>
             <a:endParaRPr lang="zh-CN" altLang="en-US"/>
           </a:p>
@@ -661,7 +666,7 @@
           <a:p>
             <a:fld id="{86D58D26-1330-43F8-BD55-C19A0B8AC632}" type="datetimeFigureOut">
               <a:rPr lang="zh-CN" altLang="en-US" smtClean="0"/>
-              <a:t>2025/3/1</a:t>
+              <a:t>2025/4/1</a:t>
             </a:fld>
             <a:endParaRPr lang="zh-CN" altLang="en-US"/>
           </a:p>
@@ -859,7 +864,7 @@
           <a:p>
             <a:fld id="{86D58D26-1330-43F8-BD55-C19A0B8AC632}" type="datetimeFigureOut">
               <a:rPr lang="zh-CN" altLang="en-US" smtClean="0"/>
-              <a:t>2025/3/1</a:t>
+              <a:t>2025/4/1</a:t>
             </a:fld>
             <a:endParaRPr lang="zh-CN" altLang="en-US"/>
           </a:p>
@@ -1134,7 +1139,7 @@
           <a:p>
             <a:fld id="{86D58D26-1330-43F8-BD55-C19A0B8AC632}" type="datetimeFigureOut">
               <a:rPr lang="zh-CN" altLang="en-US" smtClean="0"/>
-              <a:t>2025/3/1</a:t>
+              <a:t>2025/4/1</a:t>
             </a:fld>
             <a:endParaRPr lang="zh-CN" altLang="en-US"/>
           </a:p>
@@ -1399,7 +1404,7 @@
           <a:p>
             <a:fld id="{86D58D26-1330-43F8-BD55-C19A0B8AC632}" type="datetimeFigureOut">
               <a:rPr lang="zh-CN" altLang="en-US" smtClean="0"/>
-              <a:t>2025/3/1</a:t>
+              <a:t>2025/4/1</a:t>
             </a:fld>
             <a:endParaRPr lang="zh-CN" altLang="en-US"/>
           </a:p>
@@ -1811,7 +1816,7 @@
           <a:p>
             <a:fld id="{86D58D26-1330-43F8-BD55-C19A0B8AC632}" type="datetimeFigureOut">
               <a:rPr lang="zh-CN" altLang="en-US" smtClean="0"/>
-              <a:t>2025/3/1</a:t>
+              <a:t>2025/4/1</a:t>
             </a:fld>
             <a:endParaRPr lang="zh-CN" altLang="en-US"/>
           </a:p>
@@ -1952,7 +1957,7 @@
           <a:p>
             <a:fld id="{86D58D26-1330-43F8-BD55-C19A0B8AC632}" type="datetimeFigureOut">
               <a:rPr lang="zh-CN" altLang="en-US" smtClean="0"/>
-              <a:t>2025/3/1</a:t>
+              <a:t>2025/4/1</a:t>
             </a:fld>
             <a:endParaRPr lang="zh-CN" altLang="en-US"/>
           </a:p>
@@ -2065,7 +2070,7 @@
           <a:p>
             <a:fld id="{86D58D26-1330-43F8-BD55-C19A0B8AC632}" type="datetimeFigureOut">
               <a:rPr lang="zh-CN" altLang="en-US" smtClean="0"/>
-              <a:t>2025/3/1</a:t>
+              <a:t>2025/4/1</a:t>
             </a:fld>
             <a:endParaRPr lang="zh-CN" altLang="en-US"/>
           </a:p>
@@ -2376,7 +2381,7 @@
           <a:p>
             <a:fld id="{86D58D26-1330-43F8-BD55-C19A0B8AC632}" type="datetimeFigureOut">
               <a:rPr lang="zh-CN" altLang="en-US" smtClean="0"/>
-              <a:t>2025/3/1</a:t>
+              <a:t>2025/4/1</a:t>
             </a:fld>
             <a:endParaRPr lang="zh-CN" altLang="en-US"/>
           </a:p>
@@ -2664,7 +2669,7 @@
           <a:p>
             <a:fld id="{86D58D26-1330-43F8-BD55-C19A0B8AC632}" type="datetimeFigureOut">
               <a:rPr lang="zh-CN" altLang="en-US" smtClean="0"/>
-              <a:t>2025/3/1</a:t>
+              <a:t>2025/4/1</a:t>
             </a:fld>
             <a:endParaRPr lang="zh-CN" altLang="en-US"/>
           </a:p>
@@ -2905,7 +2910,7 @@
           <a:p>
             <a:fld id="{86D58D26-1330-43F8-BD55-C19A0B8AC632}" type="datetimeFigureOut">
               <a:rPr lang="zh-CN" altLang="en-US" smtClean="0"/>
-              <a:t>2025/3/1</a:t>
+              <a:t>2025/4/1</a:t>
             </a:fld>
             <a:endParaRPr lang="zh-CN" altLang="en-US"/>
           </a:p>
@@ -3457,16 +3462,18 @@
           </p:spPr>
           <p:style>
             <a:lnRef idx="2">
-              <a:schemeClr val="accent1"/>
+              <a:schemeClr val="accent6">
+                <a:shade val="15000"/>
+              </a:schemeClr>
             </a:lnRef>
             <a:fillRef idx="1">
-              <a:schemeClr val="lt1"/>
+              <a:schemeClr val="accent6"/>
             </a:fillRef>
             <a:effectRef idx="0">
-              <a:schemeClr val="accent1"/>
+              <a:schemeClr val="accent6"/>
             </a:effectRef>
             <a:fontRef idx="minor">
-              <a:schemeClr val="dk1"/>
+              <a:schemeClr val="lt1"/>
             </a:fontRef>
           </p:style>
           <p:txBody>
@@ -4212,6 +4219,130 @@
           </p:txBody>
         </p:sp>
       </p:grpSp>
+      <p:sp>
+        <p:nvSpPr>
+          <p:cNvPr id="2" name="文本框 1">
+            <a:extLst>
+              <a:ext uri="{FF2B5EF4-FFF2-40B4-BE49-F238E27FC236}">
+                <a16:creationId xmlns:a16="http://schemas.microsoft.com/office/drawing/2014/main" id="{C7391DE0-CEEE-C557-6FA0-7FBE10607C06}"/>
+              </a:ext>
+            </a:extLst>
+          </p:cNvPr>
+          <p:cNvSpPr txBox="1"/>
+          <p:nvPr/>
+        </p:nvSpPr>
+        <p:spPr>
+          <a:xfrm>
+            <a:off x="1076677" y="5339701"/>
+            <a:ext cx="5019323" cy="369332"/>
+          </a:xfrm>
+          <a:prstGeom prst="rect">
+            <a:avLst/>
+          </a:prstGeom>
+          <a:noFill/>
+        </p:spPr>
+        <p:txBody>
+          <a:bodyPr wrap="none" rtlCol="0">
+            <a:spAutoFit/>
+          </a:bodyPr>
+          <a:lstStyle/>
+          <a:p>
+            <a:r>
+              <a:rPr lang="en-US" altLang="zh-CN" dirty="0"/>
+              <a:t>FGPA: 3APE3000-FGG484 </a:t>
+            </a:r>
+            <a:r>
+              <a:rPr lang="en-US" altLang="zh-CN" dirty="0">
+                <a:sym typeface="Wingdings" panose="05000000000000000000" pitchFamily="2" charset="2"/>
+              </a:rPr>
+              <a:t> MPF100T-FCG484E</a:t>
+            </a:r>
+          </a:p>
+        </p:txBody>
+      </p:sp>
+      <p:pic>
+        <p:nvPicPr>
+          <p:cNvPr id="5" name="图片 4">
+            <a:extLst>
+              <a:ext uri="{FF2B5EF4-FFF2-40B4-BE49-F238E27FC236}">
+                <a16:creationId xmlns:a16="http://schemas.microsoft.com/office/drawing/2014/main" id="{719D53E6-94AB-DC0F-F3A8-4FB829458308}"/>
+              </a:ext>
+            </a:extLst>
+          </p:cNvPr>
+          <p:cNvPicPr>
+            <a:picLocks noChangeAspect="1"/>
+          </p:cNvPicPr>
+          <p:nvPr/>
+        </p:nvPicPr>
+        <p:blipFill>
+          <a:blip r:embed="rId2"/>
+          <a:stretch>
+            <a:fillRect/>
+          </a:stretch>
+        </p:blipFill>
+        <p:spPr>
+          <a:xfrm>
+            <a:off x="9473897" y="88046"/>
+            <a:ext cx="2334500" cy="3169732"/>
+          </a:xfrm>
+          <a:prstGeom prst="rect">
+            <a:avLst/>
+          </a:prstGeom>
+          <a:ln>
+            <a:solidFill>
+              <a:schemeClr val="accent1"/>
+            </a:solidFill>
+          </a:ln>
+        </p:spPr>
+      </p:pic>
+      <p:cxnSp>
+        <p:nvCxnSpPr>
+          <p:cNvPr id="9" name="直接箭头连接符 8">
+            <a:extLst>
+              <a:ext uri="{FF2B5EF4-FFF2-40B4-BE49-F238E27FC236}">
+                <a16:creationId xmlns:a16="http://schemas.microsoft.com/office/drawing/2014/main" id="{651F7365-DB3F-621C-D505-7D9320E1B02C}"/>
+              </a:ext>
+            </a:extLst>
+          </p:cNvPr>
+          <p:cNvCxnSpPr>
+            <a:stCxn id="5" idx="1"/>
+            <a:endCxn id="15" idx="3"/>
+          </p:cNvCxnSpPr>
+          <p:nvPr/>
+        </p:nvCxnSpPr>
+        <p:spPr>
+          <a:xfrm flipH="1">
+            <a:off x="6189022" y="1672912"/>
+            <a:ext cx="3284875" cy="1135581"/>
+          </a:xfrm>
+          <a:prstGeom prst="straightConnector1">
+            <a:avLst/>
+          </a:prstGeom>
+          <a:ln w="9525" cap="flat" cmpd="sng" algn="ctr">
+            <a:solidFill>
+              <a:schemeClr val="dk1"/>
+            </a:solidFill>
+            <a:prstDash val="dash"/>
+            <a:round/>
+            <a:headEnd type="none" w="med" len="med"/>
+            <a:tailEnd type="none" w="med" len="med"/>
+          </a:ln>
+        </p:spPr>
+        <p:style>
+          <a:lnRef idx="0">
+            <a:scrgbClr r="0" g="0" b="0"/>
+          </a:lnRef>
+          <a:fillRef idx="0">
+            <a:scrgbClr r="0" g="0" b="0"/>
+          </a:fillRef>
+          <a:effectRef idx="0">
+            <a:scrgbClr r="0" g="0" b="0"/>
+          </a:effectRef>
+          <a:fontRef idx="minor">
+            <a:schemeClr val="tx1"/>
+          </a:fontRef>
+        </p:style>
+      </p:cxnSp>
     </p:spTree>
     <p:extLst>
       <p:ext uri="{BB962C8B-B14F-4D97-AF65-F5344CB8AC3E}">
@@ -5326,6 +5457,169 @@
           </p:txBody>
         </p:sp>
       </p:grpSp>
+      <p:sp>
+        <p:nvSpPr>
+          <p:cNvPr id="22" name="文本框 21">
+            <a:extLst>
+              <a:ext uri="{FF2B5EF4-FFF2-40B4-BE49-F238E27FC236}">
+                <a16:creationId xmlns:a16="http://schemas.microsoft.com/office/drawing/2014/main" id="{395B380A-9B4D-0D2D-8E3D-8CAC8F457C89}"/>
+              </a:ext>
+            </a:extLst>
+          </p:cNvPr>
+          <p:cNvSpPr txBox="1"/>
+          <p:nvPr/>
+        </p:nvSpPr>
+        <p:spPr>
+          <a:xfrm>
+            <a:off x="1031389" y="6301720"/>
+            <a:ext cx="6096896" cy="369332"/>
+          </a:xfrm>
+          <a:prstGeom prst="rect">
+            <a:avLst/>
+          </a:prstGeom>
+          <a:noFill/>
+        </p:spPr>
+        <p:txBody>
+          <a:bodyPr wrap="square">
+            <a:spAutoFit/>
+          </a:bodyPr>
+          <a:lstStyle/>
+          <a:p>
+            <a:r>
+              <a:rPr lang="en-US" altLang="zh-CN" dirty="0"/>
+              <a:t>FGPA: 3APE3000-FGG484 </a:t>
+            </a:r>
+            <a:r>
+              <a:rPr lang="en-US" altLang="zh-CN" dirty="0">
+                <a:sym typeface="Wingdings" panose="05000000000000000000" pitchFamily="2" charset="2"/>
+              </a:rPr>
+              <a:t> MPF100T-FCG484E</a:t>
+            </a:r>
+          </a:p>
+        </p:txBody>
+      </p:sp>
+      <p:pic>
+        <p:nvPicPr>
+          <p:cNvPr id="24" name="图片 23">
+            <a:extLst>
+              <a:ext uri="{FF2B5EF4-FFF2-40B4-BE49-F238E27FC236}">
+                <a16:creationId xmlns:a16="http://schemas.microsoft.com/office/drawing/2014/main" id="{FB03BD0B-F443-DF8A-9F85-6728318842BB}"/>
+              </a:ext>
+            </a:extLst>
+          </p:cNvPr>
+          <p:cNvPicPr>
+            <a:picLocks noChangeAspect="1"/>
+          </p:cNvPicPr>
+          <p:nvPr/>
+        </p:nvPicPr>
+        <p:blipFill>
+          <a:blip r:embed="rId2"/>
+          <a:stretch>
+            <a:fillRect/>
+          </a:stretch>
+        </p:blipFill>
+        <p:spPr>
+          <a:xfrm>
+            <a:off x="9131254" y="569395"/>
+            <a:ext cx="2878054" cy="1975302"/>
+          </a:xfrm>
+          <a:prstGeom prst="rect">
+            <a:avLst/>
+          </a:prstGeom>
+          <a:ln>
+            <a:solidFill>
+              <a:schemeClr val="accent1"/>
+            </a:solidFill>
+          </a:ln>
+        </p:spPr>
+      </p:pic>
+      <p:cxnSp>
+        <p:nvCxnSpPr>
+          <p:cNvPr id="27" name="直接连接符 26">
+            <a:extLst>
+              <a:ext uri="{FF2B5EF4-FFF2-40B4-BE49-F238E27FC236}">
+                <a16:creationId xmlns:a16="http://schemas.microsoft.com/office/drawing/2014/main" id="{9C75279A-AD1F-BA30-A3B9-AEA8ABCF1220}"/>
+              </a:ext>
+            </a:extLst>
+          </p:cNvPr>
+          <p:cNvCxnSpPr>
+            <a:stCxn id="24" idx="1"/>
+            <a:endCxn id="9" idx="3"/>
+          </p:cNvCxnSpPr>
+          <p:nvPr/>
+        </p:nvCxnSpPr>
+        <p:spPr>
+          <a:xfrm flipH="1">
+            <a:off x="5974220" y="1557046"/>
+            <a:ext cx="3157034" cy="898030"/>
+          </a:xfrm>
+          <a:prstGeom prst="line">
+            <a:avLst/>
+          </a:prstGeom>
+          <a:ln w="9525" cap="flat" cmpd="sng" algn="ctr">
+            <a:solidFill>
+              <a:schemeClr val="dk1"/>
+            </a:solidFill>
+            <a:prstDash val="dash"/>
+            <a:round/>
+            <a:headEnd type="none" w="med" len="med"/>
+            <a:tailEnd type="none" w="med" len="med"/>
+          </a:ln>
+        </p:spPr>
+        <p:style>
+          <a:lnRef idx="0">
+            <a:scrgbClr r="0" g="0" b="0"/>
+          </a:lnRef>
+          <a:fillRef idx="0">
+            <a:scrgbClr r="0" g="0" b="0"/>
+          </a:fillRef>
+          <a:effectRef idx="0">
+            <a:scrgbClr r="0" g="0" b="0"/>
+          </a:effectRef>
+          <a:fontRef idx="minor">
+            <a:schemeClr val="tx1"/>
+          </a:fontRef>
+        </p:style>
+      </p:cxnSp>
+      <p:sp>
+        <p:nvSpPr>
+          <p:cNvPr id="28" name="文本框 27">
+            <a:extLst>
+              <a:ext uri="{FF2B5EF4-FFF2-40B4-BE49-F238E27FC236}">
+                <a16:creationId xmlns:a16="http://schemas.microsoft.com/office/drawing/2014/main" id="{0B4E5BC7-FC2C-33E4-8402-66E4819A7A56}"/>
+              </a:ext>
+            </a:extLst>
+          </p:cNvPr>
+          <p:cNvSpPr txBox="1"/>
+          <p:nvPr/>
+        </p:nvSpPr>
+        <p:spPr>
+          <a:xfrm>
+            <a:off x="785308" y="205302"/>
+            <a:ext cx="4695516" cy="369332"/>
+          </a:xfrm>
+          <a:prstGeom prst="rect">
+            <a:avLst/>
+          </a:prstGeom>
+          <a:noFill/>
+        </p:spPr>
+        <p:txBody>
+          <a:bodyPr wrap="none" rtlCol="0">
+            <a:spAutoFit/>
+          </a:bodyPr>
+          <a:lstStyle/>
+          <a:p>
+            <a:r>
+              <a:rPr lang="en-US" altLang="zh-CN" dirty="0">
+                <a:highlight>
+                  <a:srgbClr val="FFFF00"/>
+                </a:highlight>
+              </a:rPr>
+              <a:t>Risk: DSP ADC/DAC is used for measurement.</a:t>
+            </a:r>
+          </a:p>
+        </p:txBody>
+      </p:sp>
     </p:spTree>
     <p:extLst>
       <p:ext uri="{BB962C8B-B14F-4D97-AF65-F5344CB8AC3E}">

--- a/dmd/ATP_SCH/dmd_solution.pptx
+++ b/dmd/ATP_SCH/dmd_solution.pptx
@@ -7,6 +7,9 @@
   <p:sldIdLst>
     <p:sldId id="256" r:id="rId2"/>
     <p:sldId id="257" r:id="rId3"/>
+    <p:sldId id="258" r:id="rId4"/>
+    <p:sldId id="259" r:id="rId5"/>
+    <p:sldId id="260" r:id="rId6"/>
   </p:sldIdLst>
   <p:sldSz cx="12192000" cy="6858000"/>
   <p:notesSz cx="6858000" cy="9144000"/>
@@ -260,7 +263,7 @@
           <a:p>
             <a:fld id="{86D58D26-1330-43F8-BD55-C19A0B8AC632}" type="datetimeFigureOut">
               <a:rPr lang="zh-CN" altLang="en-US" smtClean="0"/>
-              <a:t>2025/4/1</a:t>
+              <a:t>2025/4/20</a:t>
             </a:fld>
             <a:endParaRPr lang="zh-CN" altLang="en-US"/>
           </a:p>
@@ -458,7 +461,7 @@
           <a:p>
             <a:fld id="{86D58D26-1330-43F8-BD55-C19A0B8AC632}" type="datetimeFigureOut">
               <a:rPr lang="zh-CN" altLang="en-US" smtClean="0"/>
-              <a:t>2025/4/1</a:t>
+              <a:t>2025/4/20</a:t>
             </a:fld>
             <a:endParaRPr lang="zh-CN" altLang="en-US"/>
           </a:p>
@@ -666,7 +669,7 @@
           <a:p>
             <a:fld id="{86D58D26-1330-43F8-BD55-C19A0B8AC632}" type="datetimeFigureOut">
               <a:rPr lang="zh-CN" altLang="en-US" smtClean="0"/>
-              <a:t>2025/4/1</a:t>
+              <a:t>2025/4/20</a:t>
             </a:fld>
             <a:endParaRPr lang="zh-CN" altLang="en-US"/>
           </a:p>
@@ -864,7 +867,7 @@
           <a:p>
             <a:fld id="{86D58D26-1330-43F8-BD55-C19A0B8AC632}" type="datetimeFigureOut">
               <a:rPr lang="zh-CN" altLang="en-US" smtClean="0"/>
-              <a:t>2025/4/1</a:t>
+              <a:t>2025/4/20</a:t>
             </a:fld>
             <a:endParaRPr lang="zh-CN" altLang="en-US"/>
           </a:p>
@@ -1139,7 +1142,7 @@
           <a:p>
             <a:fld id="{86D58D26-1330-43F8-BD55-C19A0B8AC632}" type="datetimeFigureOut">
               <a:rPr lang="zh-CN" altLang="en-US" smtClean="0"/>
-              <a:t>2025/4/1</a:t>
+              <a:t>2025/4/20</a:t>
             </a:fld>
             <a:endParaRPr lang="zh-CN" altLang="en-US"/>
           </a:p>
@@ -1404,7 +1407,7 @@
           <a:p>
             <a:fld id="{86D58D26-1330-43F8-BD55-C19A0B8AC632}" type="datetimeFigureOut">
               <a:rPr lang="zh-CN" altLang="en-US" smtClean="0"/>
-              <a:t>2025/4/1</a:t>
+              <a:t>2025/4/20</a:t>
             </a:fld>
             <a:endParaRPr lang="zh-CN" altLang="en-US"/>
           </a:p>
@@ -1816,7 +1819,7 @@
           <a:p>
             <a:fld id="{86D58D26-1330-43F8-BD55-C19A0B8AC632}" type="datetimeFigureOut">
               <a:rPr lang="zh-CN" altLang="en-US" smtClean="0"/>
-              <a:t>2025/4/1</a:t>
+              <a:t>2025/4/20</a:t>
             </a:fld>
             <a:endParaRPr lang="zh-CN" altLang="en-US"/>
           </a:p>
@@ -1957,7 +1960,7 @@
           <a:p>
             <a:fld id="{86D58D26-1330-43F8-BD55-C19A0B8AC632}" type="datetimeFigureOut">
               <a:rPr lang="zh-CN" altLang="en-US" smtClean="0"/>
-              <a:t>2025/4/1</a:t>
+              <a:t>2025/4/20</a:t>
             </a:fld>
             <a:endParaRPr lang="zh-CN" altLang="en-US"/>
           </a:p>
@@ -2070,7 +2073,7 @@
           <a:p>
             <a:fld id="{86D58D26-1330-43F8-BD55-C19A0B8AC632}" type="datetimeFigureOut">
               <a:rPr lang="zh-CN" altLang="en-US" smtClean="0"/>
-              <a:t>2025/4/1</a:t>
+              <a:t>2025/4/20</a:t>
             </a:fld>
             <a:endParaRPr lang="zh-CN" altLang="en-US"/>
           </a:p>
@@ -2381,7 +2384,7 @@
           <a:p>
             <a:fld id="{86D58D26-1330-43F8-BD55-C19A0B8AC632}" type="datetimeFigureOut">
               <a:rPr lang="zh-CN" altLang="en-US" smtClean="0"/>
-              <a:t>2025/4/1</a:t>
+              <a:t>2025/4/20</a:t>
             </a:fld>
             <a:endParaRPr lang="zh-CN" altLang="en-US"/>
           </a:p>
@@ -2669,7 +2672,7 @@
           <a:p>
             <a:fld id="{86D58D26-1330-43F8-BD55-C19A0B8AC632}" type="datetimeFigureOut">
               <a:rPr lang="zh-CN" altLang="en-US" smtClean="0"/>
-              <a:t>2025/4/1</a:t>
+              <a:t>2025/4/20</a:t>
             </a:fld>
             <a:endParaRPr lang="zh-CN" altLang="en-US"/>
           </a:p>
@@ -2910,7 +2913,7 @@
           <a:p>
             <a:fld id="{86D58D26-1330-43F8-BD55-C19A0B8AC632}" type="datetimeFigureOut">
               <a:rPr lang="zh-CN" altLang="en-US" smtClean="0"/>
-              <a:t>2025/4/1</a:t>
+              <a:t>2025/4/20</a:t>
             </a:fld>
             <a:endParaRPr lang="zh-CN" altLang="en-US"/>
           </a:p>
@@ -5633,6 +5636,2199 @@
 </p:sld>
 </file>
 
+<file path=ppt/slides/slide3.xml><?xml version="1.0" encoding="utf-8"?>
+<p:sld xmlns:a="http://schemas.openxmlformats.org/drawingml/2006/main" xmlns:r="http://schemas.openxmlformats.org/officeDocument/2006/relationships" xmlns:p="http://schemas.openxmlformats.org/presentationml/2006/main">
+  <p:cSld>
+    <p:spTree>
+      <p:nvGrpSpPr>
+        <p:cNvPr id="1" name="">
+          <a:extLst>
+            <a:ext uri="{FF2B5EF4-FFF2-40B4-BE49-F238E27FC236}">
+              <a16:creationId xmlns:a16="http://schemas.microsoft.com/office/drawing/2014/main" id="{F0BA907A-3AC6-4099-29BF-3E4AD5E8D6F4}"/>
+            </a:ext>
+          </a:extLst>
+        </p:cNvPr>
+        <p:cNvGrpSpPr/>
+        <p:nvPr/>
+      </p:nvGrpSpPr>
+      <p:grpSpPr>
+        <a:xfrm>
+          <a:off x="0" y="0"/>
+          <a:ext cx="0" cy="0"/>
+          <a:chOff x="0" y="0"/>
+          <a:chExt cx="0" cy="0"/>
+        </a:xfrm>
+      </p:grpSpPr>
+      <p:sp>
+        <p:nvSpPr>
+          <p:cNvPr id="2" name="矩形 1">
+            <a:extLst>
+              <a:ext uri="{FF2B5EF4-FFF2-40B4-BE49-F238E27FC236}">
+                <a16:creationId xmlns:a16="http://schemas.microsoft.com/office/drawing/2014/main" id="{5E1393E8-8FC2-029F-9E37-FE99A409B99F}"/>
+              </a:ext>
+            </a:extLst>
+          </p:cNvPr>
+          <p:cNvSpPr/>
+          <p:nvPr/>
+        </p:nvSpPr>
+        <p:spPr>
+          <a:xfrm>
+            <a:off x="1097510" y="2624353"/>
+            <a:ext cx="8195483" cy="3664252"/>
+          </a:xfrm>
+          <a:prstGeom prst="rect">
+            <a:avLst/>
+          </a:prstGeom>
+        </p:spPr>
+        <p:style>
+          <a:lnRef idx="1">
+            <a:schemeClr val="accent4"/>
+          </a:lnRef>
+          <a:fillRef idx="2">
+            <a:schemeClr val="accent4"/>
+          </a:fillRef>
+          <a:effectRef idx="1">
+            <a:schemeClr val="accent4"/>
+          </a:effectRef>
+          <a:fontRef idx="minor">
+            <a:schemeClr val="dk1"/>
+          </a:fontRef>
+        </p:style>
+        <p:txBody>
+          <a:bodyPr rtlCol="0" anchor="ctr"/>
+          <a:lstStyle/>
+          <a:p>
+            <a:pPr algn="ctr"/>
+            <a:endParaRPr lang="zh-CN" altLang="en-US"/>
+          </a:p>
+        </p:txBody>
+      </p:sp>
+      <p:sp>
+        <p:nvSpPr>
+          <p:cNvPr id="3" name="矩形 2">
+            <a:extLst>
+              <a:ext uri="{FF2B5EF4-FFF2-40B4-BE49-F238E27FC236}">
+                <a16:creationId xmlns:a16="http://schemas.microsoft.com/office/drawing/2014/main" id="{82FD505F-4A7D-1E6C-AD1C-4E0C7F9B338A}"/>
+              </a:ext>
+            </a:extLst>
+          </p:cNvPr>
+          <p:cNvSpPr/>
+          <p:nvPr/>
+        </p:nvSpPr>
+        <p:spPr>
+          <a:xfrm>
+            <a:off x="4202652" y="1237141"/>
+            <a:ext cx="2192767" cy="410871"/>
+          </a:xfrm>
+          <a:prstGeom prst="rect">
+            <a:avLst/>
+          </a:prstGeom>
+        </p:spPr>
+        <p:style>
+          <a:lnRef idx="2">
+            <a:schemeClr val="accent1"/>
+          </a:lnRef>
+          <a:fillRef idx="1">
+            <a:schemeClr val="lt1"/>
+          </a:fillRef>
+          <a:effectRef idx="0">
+            <a:schemeClr val="accent1"/>
+          </a:effectRef>
+          <a:fontRef idx="minor">
+            <a:schemeClr val="dk1"/>
+          </a:fontRef>
+        </p:style>
+        <p:txBody>
+          <a:bodyPr rtlCol="0" anchor="ctr"/>
+          <a:lstStyle/>
+          <a:p>
+            <a:pPr algn="ctr"/>
+            <a:r>
+              <a:rPr lang="en-US" altLang="zh-CN" b="1" dirty="0"/>
+              <a:t>PC</a:t>
+            </a:r>
+            <a:endParaRPr lang="zh-CN" altLang="en-US" b="1" dirty="0"/>
+          </a:p>
+        </p:txBody>
+      </p:sp>
+      <p:sp>
+        <p:nvSpPr>
+          <p:cNvPr id="4" name="矩形 3">
+            <a:extLst>
+              <a:ext uri="{FF2B5EF4-FFF2-40B4-BE49-F238E27FC236}">
+                <a16:creationId xmlns:a16="http://schemas.microsoft.com/office/drawing/2014/main" id="{27104AE6-0D36-62CD-F358-5A59A562BE9B}"/>
+              </a:ext>
+            </a:extLst>
+          </p:cNvPr>
+          <p:cNvSpPr/>
+          <p:nvPr/>
+        </p:nvSpPr>
+        <p:spPr>
+          <a:xfrm>
+            <a:off x="4202652" y="1998384"/>
+            <a:ext cx="2192767" cy="332422"/>
+          </a:xfrm>
+          <a:prstGeom prst="rect">
+            <a:avLst/>
+          </a:prstGeom>
+        </p:spPr>
+        <p:style>
+          <a:lnRef idx="2">
+            <a:schemeClr val="accent1"/>
+          </a:lnRef>
+          <a:fillRef idx="1">
+            <a:schemeClr val="lt1"/>
+          </a:fillRef>
+          <a:effectRef idx="0">
+            <a:schemeClr val="accent1"/>
+          </a:effectRef>
+          <a:fontRef idx="minor">
+            <a:schemeClr val="dk1"/>
+          </a:fontRef>
+        </p:style>
+        <p:txBody>
+          <a:bodyPr rtlCol="0" anchor="ctr"/>
+          <a:lstStyle/>
+          <a:p>
+            <a:pPr algn="ctr"/>
+            <a:r>
+              <a:rPr lang="en-US" altLang="zh-CN" dirty="0"/>
+              <a:t>USB</a:t>
+            </a:r>
+            <a:r>
+              <a:rPr lang="zh-CN" altLang="en-US" dirty="0"/>
+              <a:t>串口转接线</a:t>
+            </a:r>
+          </a:p>
+        </p:txBody>
+      </p:sp>
+      <p:cxnSp>
+        <p:nvCxnSpPr>
+          <p:cNvPr id="6" name="直接箭头连接符 5">
+            <a:extLst>
+              <a:ext uri="{FF2B5EF4-FFF2-40B4-BE49-F238E27FC236}">
+                <a16:creationId xmlns:a16="http://schemas.microsoft.com/office/drawing/2014/main" id="{1FC3BC0D-5D4A-6E92-25AF-21F349E15EC3}"/>
+              </a:ext>
+            </a:extLst>
+          </p:cNvPr>
+          <p:cNvCxnSpPr>
+            <a:cxnSpLocks/>
+            <a:stCxn id="3" idx="2"/>
+            <a:endCxn id="4" idx="0"/>
+          </p:cNvCxnSpPr>
+          <p:nvPr/>
+        </p:nvCxnSpPr>
+        <p:spPr>
+          <a:xfrm>
+            <a:off x="5299036" y="1648012"/>
+            <a:ext cx="0" cy="350372"/>
+          </a:xfrm>
+          <a:prstGeom prst="straightConnector1">
+            <a:avLst/>
+          </a:prstGeom>
+          <a:ln>
+            <a:headEnd type="triangle"/>
+            <a:tailEnd type="triangle"/>
+          </a:ln>
+        </p:spPr>
+        <p:style>
+          <a:lnRef idx="2">
+            <a:schemeClr val="accent1"/>
+          </a:lnRef>
+          <a:fillRef idx="1">
+            <a:schemeClr val="lt1"/>
+          </a:fillRef>
+          <a:effectRef idx="0">
+            <a:schemeClr val="accent1"/>
+          </a:effectRef>
+          <a:fontRef idx="minor">
+            <a:schemeClr val="dk1"/>
+          </a:fontRef>
+        </p:style>
+      </p:cxnSp>
+      <p:cxnSp>
+        <p:nvCxnSpPr>
+          <p:cNvPr id="7" name="直接箭头连接符 6">
+            <a:extLst>
+              <a:ext uri="{FF2B5EF4-FFF2-40B4-BE49-F238E27FC236}">
+                <a16:creationId xmlns:a16="http://schemas.microsoft.com/office/drawing/2014/main" id="{4491FFE4-5EF6-1658-93A4-15A11C3A002B}"/>
+              </a:ext>
+            </a:extLst>
+          </p:cNvPr>
+          <p:cNvCxnSpPr>
+            <a:cxnSpLocks/>
+            <a:stCxn id="4" idx="2"/>
+            <a:endCxn id="26" idx="0"/>
+          </p:cNvCxnSpPr>
+          <p:nvPr/>
+        </p:nvCxnSpPr>
+        <p:spPr>
+          <a:xfrm>
+            <a:off x="5299036" y="2330806"/>
+            <a:ext cx="5611" cy="420542"/>
+          </a:xfrm>
+          <a:prstGeom prst="straightConnector1">
+            <a:avLst/>
+          </a:prstGeom>
+          <a:ln>
+            <a:headEnd type="triangle"/>
+            <a:tailEnd type="triangle"/>
+          </a:ln>
+        </p:spPr>
+        <p:style>
+          <a:lnRef idx="2">
+            <a:schemeClr val="accent1"/>
+          </a:lnRef>
+          <a:fillRef idx="1">
+            <a:schemeClr val="lt1"/>
+          </a:fillRef>
+          <a:effectRef idx="0">
+            <a:schemeClr val="accent1"/>
+          </a:effectRef>
+          <a:fontRef idx="minor">
+            <a:schemeClr val="dk1"/>
+          </a:fontRef>
+        </p:style>
+      </p:cxnSp>
+      <p:sp>
+        <p:nvSpPr>
+          <p:cNvPr id="8" name="文本框 7">
+            <a:extLst>
+              <a:ext uri="{FF2B5EF4-FFF2-40B4-BE49-F238E27FC236}">
+                <a16:creationId xmlns:a16="http://schemas.microsoft.com/office/drawing/2014/main" id="{4CD8EB3C-8CB2-03EF-9E97-1D4ABB694CFC}"/>
+              </a:ext>
+            </a:extLst>
+          </p:cNvPr>
+          <p:cNvSpPr txBox="1"/>
+          <p:nvPr/>
+        </p:nvSpPr>
+        <p:spPr>
+          <a:xfrm>
+            <a:off x="5228216" y="1658327"/>
+            <a:ext cx="731290" cy="338554"/>
+          </a:xfrm>
+          <a:prstGeom prst="rect">
+            <a:avLst/>
+          </a:prstGeom>
+          <a:noFill/>
+        </p:spPr>
+        <p:txBody>
+          <a:bodyPr wrap="none" rtlCol="0">
+            <a:spAutoFit/>
+          </a:bodyPr>
+          <a:lstStyle/>
+          <a:p>
+            <a:r>
+              <a:rPr lang="en-US" altLang="zh-CN" sz="1600" dirty="0"/>
+              <a:t>RS232</a:t>
+            </a:r>
+            <a:endParaRPr lang="zh-CN" altLang="en-US" dirty="0"/>
+          </a:p>
+        </p:txBody>
+      </p:sp>
+      <p:sp>
+        <p:nvSpPr>
+          <p:cNvPr id="9" name="文本框 8">
+            <a:extLst>
+              <a:ext uri="{FF2B5EF4-FFF2-40B4-BE49-F238E27FC236}">
+                <a16:creationId xmlns:a16="http://schemas.microsoft.com/office/drawing/2014/main" id="{E828D12E-8D29-79F6-7F99-3D07D127F82F}"/>
+              </a:ext>
+            </a:extLst>
+          </p:cNvPr>
+          <p:cNvSpPr txBox="1"/>
+          <p:nvPr/>
+        </p:nvSpPr>
+        <p:spPr>
+          <a:xfrm>
+            <a:off x="5299035" y="2285799"/>
+            <a:ext cx="675185" cy="338554"/>
+          </a:xfrm>
+          <a:prstGeom prst="rect">
+            <a:avLst/>
+          </a:prstGeom>
+          <a:noFill/>
+        </p:spPr>
+        <p:txBody>
+          <a:bodyPr wrap="none" rtlCol="0">
+            <a:spAutoFit/>
+          </a:bodyPr>
+          <a:lstStyle/>
+          <a:p>
+            <a:r>
+              <a:rPr lang="en-US" altLang="zh-CN" sz="1600" dirty="0"/>
+              <a:t>UART</a:t>
+            </a:r>
+            <a:endParaRPr lang="zh-CN" altLang="en-US" sz="1600" dirty="0"/>
+          </a:p>
+        </p:txBody>
+      </p:sp>
+      <p:sp>
+        <p:nvSpPr>
+          <p:cNvPr id="10" name="矩形 9">
+            <a:extLst>
+              <a:ext uri="{FF2B5EF4-FFF2-40B4-BE49-F238E27FC236}">
+                <a16:creationId xmlns:a16="http://schemas.microsoft.com/office/drawing/2014/main" id="{334C2C87-BA17-7BE0-C71A-CBDBA394D694}"/>
+              </a:ext>
+            </a:extLst>
+          </p:cNvPr>
+          <p:cNvSpPr/>
+          <p:nvPr/>
+        </p:nvSpPr>
+        <p:spPr>
+          <a:xfrm>
+            <a:off x="3071305" y="5537943"/>
+            <a:ext cx="1212030" cy="618563"/>
+          </a:xfrm>
+          <a:prstGeom prst="rect">
+            <a:avLst/>
+          </a:prstGeom>
+        </p:spPr>
+        <p:style>
+          <a:lnRef idx="2">
+            <a:schemeClr val="accent6">
+              <a:shade val="15000"/>
+            </a:schemeClr>
+          </a:lnRef>
+          <a:fillRef idx="1">
+            <a:schemeClr val="accent6"/>
+          </a:fillRef>
+          <a:effectRef idx="0">
+            <a:schemeClr val="accent6"/>
+          </a:effectRef>
+          <a:fontRef idx="minor">
+            <a:schemeClr val="lt1"/>
+          </a:fontRef>
+        </p:style>
+        <p:txBody>
+          <a:bodyPr rtlCol="0" anchor="ctr"/>
+          <a:lstStyle/>
+          <a:p>
+            <a:pPr algn="ctr"/>
+            <a:r>
+              <a:rPr lang="en-US" altLang="zh-CN" dirty="0"/>
+              <a:t>ADS8864</a:t>
+            </a:r>
+            <a:endParaRPr lang="zh-CN" altLang="en-US" dirty="0"/>
+          </a:p>
+        </p:txBody>
+      </p:sp>
+      <p:sp>
+        <p:nvSpPr>
+          <p:cNvPr id="11" name="矩形 10">
+            <a:extLst>
+              <a:ext uri="{FF2B5EF4-FFF2-40B4-BE49-F238E27FC236}">
+                <a16:creationId xmlns:a16="http://schemas.microsoft.com/office/drawing/2014/main" id="{C4D5F555-A730-37AC-85D1-3EB1BC94BB74}"/>
+              </a:ext>
+            </a:extLst>
+          </p:cNvPr>
+          <p:cNvSpPr/>
+          <p:nvPr/>
+        </p:nvSpPr>
+        <p:spPr>
+          <a:xfrm>
+            <a:off x="4693020" y="5537943"/>
+            <a:ext cx="1212030" cy="618563"/>
+          </a:xfrm>
+          <a:prstGeom prst="rect">
+            <a:avLst/>
+          </a:prstGeom>
+        </p:spPr>
+        <p:style>
+          <a:lnRef idx="2">
+            <a:schemeClr val="accent6">
+              <a:shade val="15000"/>
+            </a:schemeClr>
+          </a:lnRef>
+          <a:fillRef idx="1">
+            <a:schemeClr val="accent6"/>
+          </a:fillRef>
+          <a:effectRef idx="0">
+            <a:schemeClr val="accent6"/>
+          </a:effectRef>
+          <a:fontRef idx="minor">
+            <a:schemeClr val="lt1"/>
+          </a:fontRef>
+        </p:style>
+        <p:txBody>
+          <a:bodyPr rtlCol="0" anchor="ctr"/>
+          <a:lstStyle/>
+          <a:p>
+            <a:pPr algn="ctr"/>
+            <a:r>
+              <a:rPr lang="en-US" altLang="zh-CN" dirty="0"/>
+              <a:t>DACx0504</a:t>
+            </a:r>
+            <a:endParaRPr lang="zh-CN" altLang="en-US" dirty="0"/>
+          </a:p>
+        </p:txBody>
+      </p:sp>
+      <p:sp>
+        <p:nvSpPr>
+          <p:cNvPr id="12" name="矩形 11">
+            <a:extLst>
+              <a:ext uri="{FF2B5EF4-FFF2-40B4-BE49-F238E27FC236}">
+                <a16:creationId xmlns:a16="http://schemas.microsoft.com/office/drawing/2014/main" id="{3BA0D3BD-B223-CA73-3182-568C3AA651E5}"/>
+              </a:ext>
+            </a:extLst>
+          </p:cNvPr>
+          <p:cNvSpPr/>
+          <p:nvPr/>
+        </p:nvSpPr>
+        <p:spPr>
+          <a:xfrm>
+            <a:off x="6314736" y="5537943"/>
+            <a:ext cx="1212030" cy="618563"/>
+          </a:xfrm>
+          <a:prstGeom prst="rect">
+            <a:avLst/>
+          </a:prstGeom>
+        </p:spPr>
+        <p:style>
+          <a:lnRef idx="2">
+            <a:schemeClr val="accent1"/>
+          </a:lnRef>
+          <a:fillRef idx="1">
+            <a:schemeClr val="lt1"/>
+          </a:fillRef>
+          <a:effectRef idx="0">
+            <a:schemeClr val="accent1"/>
+          </a:effectRef>
+          <a:fontRef idx="minor">
+            <a:schemeClr val="dk1"/>
+          </a:fontRef>
+        </p:style>
+        <p:txBody>
+          <a:bodyPr rtlCol="0" anchor="ctr"/>
+          <a:lstStyle/>
+          <a:p>
+            <a:pPr algn="ctr"/>
+            <a:r>
+              <a:rPr lang="en-US" altLang="zh-CN" dirty="0"/>
+              <a:t>GANTRY_MOT</a:t>
+            </a:r>
+            <a:endParaRPr lang="zh-CN" altLang="en-US" dirty="0"/>
+          </a:p>
+        </p:txBody>
+      </p:sp>
+      <p:sp>
+        <p:nvSpPr>
+          <p:cNvPr id="13" name="矩形 12">
+            <a:extLst>
+              <a:ext uri="{FF2B5EF4-FFF2-40B4-BE49-F238E27FC236}">
+                <a16:creationId xmlns:a16="http://schemas.microsoft.com/office/drawing/2014/main" id="{A75AE875-330D-3AA8-65B7-C98718DC55B7}"/>
+              </a:ext>
+            </a:extLst>
+          </p:cNvPr>
+          <p:cNvSpPr/>
+          <p:nvPr/>
+        </p:nvSpPr>
+        <p:spPr>
+          <a:xfrm>
+            <a:off x="1449590" y="5537943"/>
+            <a:ext cx="1212030" cy="618563"/>
+          </a:xfrm>
+          <a:prstGeom prst="rect">
+            <a:avLst/>
+          </a:prstGeom>
+        </p:spPr>
+        <p:style>
+          <a:lnRef idx="2">
+            <a:schemeClr val="accent1"/>
+          </a:lnRef>
+          <a:fillRef idx="1">
+            <a:schemeClr val="lt1"/>
+          </a:fillRef>
+          <a:effectRef idx="0">
+            <a:schemeClr val="accent1"/>
+          </a:effectRef>
+          <a:fontRef idx="minor">
+            <a:schemeClr val="dk1"/>
+          </a:fontRef>
+        </p:style>
+        <p:txBody>
+          <a:bodyPr rtlCol="0" anchor="ctr"/>
+          <a:lstStyle/>
+          <a:p>
+            <a:pPr algn="ctr"/>
+            <a:r>
+              <a:rPr lang="en-US" altLang="zh-CN" dirty="0"/>
+              <a:t>SCRATCH_PAD</a:t>
+            </a:r>
+            <a:endParaRPr lang="zh-CN" altLang="en-US" dirty="0"/>
+          </a:p>
+        </p:txBody>
+      </p:sp>
+      <p:sp>
+        <p:nvSpPr>
+          <p:cNvPr id="14" name="矩形 13">
+            <a:extLst>
+              <a:ext uri="{FF2B5EF4-FFF2-40B4-BE49-F238E27FC236}">
+                <a16:creationId xmlns:a16="http://schemas.microsoft.com/office/drawing/2014/main" id="{CFDCE6B2-9178-8CB9-3A24-55E686891827}"/>
+              </a:ext>
+            </a:extLst>
+          </p:cNvPr>
+          <p:cNvSpPr/>
+          <p:nvPr/>
+        </p:nvSpPr>
+        <p:spPr>
+          <a:xfrm>
+            <a:off x="7936452" y="5537943"/>
+            <a:ext cx="1212030" cy="618563"/>
+          </a:xfrm>
+          <a:prstGeom prst="rect">
+            <a:avLst/>
+          </a:prstGeom>
+        </p:spPr>
+        <p:style>
+          <a:lnRef idx="2">
+            <a:schemeClr val="accent1"/>
+          </a:lnRef>
+          <a:fillRef idx="1">
+            <a:schemeClr val="lt1"/>
+          </a:fillRef>
+          <a:effectRef idx="0">
+            <a:schemeClr val="accent1"/>
+          </a:effectRef>
+          <a:fontRef idx="minor">
+            <a:schemeClr val="dk1"/>
+          </a:fontRef>
+        </p:style>
+        <p:txBody>
+          <a:bodyPr rtlCol="0" anchor="ctr"/>
+          <a:lstStyle/>
+          <a:p>
+            <a:pPr algn="ctr"/>
+            <a:r>
+              <a:rPr lang="en-US" altLang="zh-CN" dirty="0"/>
+              <a:t>…</a:t>
+            </a:r>
+            <a:endParaRPr lang="zh-CN" altLang="en-US" dirty="0"/>
+          </a:p>
+        </p:txBody>
+      </p:sp>
+      <p:cxnSp>
+        <p:nvCxnSpPr>
+          <p:cNvPr id="15" name="直接箭头连接符 14">
+            <a:extLst>
+              <a:ext uri="{FF2B5EF4-FFF2-40B4-BE49-F238E27FC236}">
+                <a16:creationId xmlns:a16="http://schemas.microsoft.com/office/drawing/2014/main" id="{AD5CDCBF-B106-A752-E953-E09B5AD6422A}"/>
+              </a:ext>
+            </a:extLst>
+          </p:cNvPr>
+          <p:cNvCxnSpPr>
+            <a:cxnSpLocks/>
+            <a:stCxn id="5" idx="2"/>
+            <a:endCxn id="11" idx="0"/>
+          </p:cNvCxnSpPr>
+          <p:nvPr/>
+        </p:nvCxnSpPr>
+        <p:spPr>
+          <a:xfrm>
+            <a:off x="5299035" y="4066652"/>
+            <a:ext cx="0" cy="1471291"/>
+          </a:xfrm>
+          <a:prstGeom prst="straightConnector1">
+            <a:avLst/>
+          </a:prstGeom>
+          <a:ln>
+            <a:headEnd type="triangle"/>
+            <a:tailEnd type="triangle"/>
+          </a:ln>
+        </p:spPr>
+        <p:style>
+          <a:lnRef idx="1">
+            <a:schemeClr val="accent1"/>
+          </a:lnRef>
+          <a:fillRef idx="0">
+            <a:schemeClr val="accent1"/>
+          </a:fillRef>
+          <a:effectRef idx="0">
+            <a:schemeClr val="accent1"/>
+          </a:effectRef>
+          <a:fontRef idx="minor">
+            <a:schemeClr val="tx1"/>
+          </a:fontRef>
+        </p:style>
+      </p:cxnSp>
+      <p:cxnSp>
+        <p:nvCxnSpPr>
+          <p:cNvPr id="16" name="连接符: 肘形 15">
+            <a:extLst>
+              <a:ext uri="{FF2B5EF4-FFF2-40B4-BE49-F238E27FC236}">
+                <a16:creationId xmlns:a16="http://schemas.microsoft.com/office/drawing/2014/main" id="{0B157BE6-0B90-7931-18A3-D1CB92CF1DDA}"/>
+              </a:ext>
+            </a:extLst>
+          </p:cNvPr>
+          <p:cNvCxnSpPr>
+            <a:cxnSpLocks/>
+            <a:stCxn id="5" idx="2"/>
+            <a:endCxn id="10" idx="0"/>
+          </p:cNvCxnSpPr>
+          <p:nvPr/>
+        </p:nvCxnSpPr>
+        <p:spPr>
+          <a:xfrm rot="5400000">
+            <a:off x="3752533" y="3991440"/>
+            <a:ext cx="1471291" cy="1621715"/>
+          </a:xfrm>
+          <a:prstGeom prst="bentConnector3">
+            <a:avLst/>
+          </a:prstGeom>
+          <a:ln>
+            <a:tailEnd type="triangle"/>
+          </a:ln>
+        </p:spPr>
+        <p:style>
+          <a:lnRef idx="1">
+            <a:schemeClr val="accent1"/>
+          </a:lnRef>
+          <a:fillRef idx="0">
+            <a:schemeClr val="accent1"/>
+          </a:fillRef>
+          <a:effectRef idx="0">
+            <a:schemeClr val="accent1"/>
+          </a:effectRef>
+          <a:fontRef idx="minor">
+            <a:schemeClr val="tx1"/>
+          </a:fontRef>
+        </p:style>
+      </p:cxnSp>
+      <p:cxnSp>
+        <p:nvCxnSpPr>
+          <p:cNvPr id="17" name="连接符: 肘形 16">
+            <a:extLst>
+              <a:ext uri="{FF2B5EF4-FFF2-40B4-BE49-F238E27FC236}">
+                <a16:creationId xmlns:a16="http://schemas.microsoft.com/office/drawing/2014/main" id="{8BC328AC-F0BE-7505-1188-33871B82E4E8}"/>
+              </a:ext>
+            </a:extLst>
+          </p:cNvPr>
+          <p:cNvCxnSpPr>
+            <a:cxnSpLocks/>
+            <a:stCxn id="5" idx="2"/>
+            <a:endCxn id="13" idx="0"/>
+          </p:cNvCxnSpPr>
+          <p:nvPr/>
+        </p:nvCxnSpPr>
+        <p:spPr>
+          <a:xfrm rot="5400000">
+            <a:off x="2941675" y="3180582"/>
+            <a:ext cx="1471291" cy="3243430"/>
+          </a:xfrm>
+          <a:prstGeom prst="bentConnector3">
+            <a:avLst/>
+          </a:prstGeom>
+          <a:ln>
+            <a:tailEnd type="triangle"/>
+          </a:ln>
+        </p:spPr>
+        <p:style>
+          <a:lnRef idx="1">
+            <a:schemeClr val="accent1"/>
+          </a:lnRef>
+          <a:fillRef idx="0">
+            <a:schemeClr val="accent1"/>
+          </a:fillRef>
+          <a:effectRef idx="0">
+            <a:schemeClr val="accent1"/>
+          </a:effectRef>
+          <a:fontRef idx="minor">
+            <a:schemeClr val="tx1"/>
+          </a:fontRef>
+        </p:style>
+      </p:cxnSp>
+      <p:cxnSp>
+        <p:nvCxnSpPr>
+          <p:cNvPr id="18" name="连接符: 肘形 17">
+            <a:extLst>
+              <a:ext uri="{FF2B5EF4-FFF2-40B4-BE49-F238E27FC236}">
+                <a16:creationId xmlns:a16="http://schemas.microsoft.com/office/drawing/2014/main" id="{EB7E93F0-EC24-433C-E7E9-6E7ED24D3A42}"/>
+              </a:ext>
+            </a:extLst>
+          </p:cNvPr>
+          <p:cNvCxnSpPr>
+            <a:cxnSpLocks/>
+            <a:stCxn id="5" idx="2"/>
+            <a:endCxn id="12" idx="0"/>
+          </p:cNvCxnSpPr>
+          <p:nvPr/>
+        </p:nvCxnSpPr>
+        <p:spPr>
+          <a:xfrm rot="16200000" flipH="1">
+            <a:off x="5374248" y="3991439"/>
+            <a:ext cx="1471291" cy="1621716"/>
+          </a:xfrm>
+          <a:prstGeom prst="bentConnector3">
+            <a:avLst/>
+          </a:prstGeom>
+          <a:ln>
+            <a:tailEnd type="triangle"/>
+          </a:ln>
+        </p:spPr>
+        <p:style>
+          <a:lnRef idx="1">
+            <a:schemeClr val="accent1"/>
+          </a:lnRef>
+          <a:fillRef idx="0">
+            <a:schemeClr val="accent1"/>
+          </a:fillRef>
+          <a:effectRef idx="0">
+            <a:schemeClr val="accent1"/>
+          </a:effectRef>
+          <a:fontRef idx="minor">
+            <a:schemeClr val="tx1"/>
+          </a:fontRef>
+        </p:style>
+      </p:cxnSp>
+      <p:cxnSp>
+        <p:nvCxnSpPr>
+          <p:cNvPr id="19" name="连接符: 肘形 18">
+            <a:extLst>
+              <a:ext uri="{FF2B5EF4-FFF2-40B4-BE49-F238E27FC236}">
+                <a16:creationId xmlns:a16="http://schemas.microsoft.com/office/drawing/2014/main" id="{4B91B6F3-5D12-D981-EC71-087C708A0A03}"/>
+              </a:ext>
+            </a:extLst>
+          </p:cNvPr>
+          <p:cNvCxnSpPr>
+            <a:cxnSpLocks/>
+            <a:stCxn id="5" idx="2"/>
+            <a:endCxn id="14" idx="0"/>
+          </p:cNvCxnSpPr>
+          <p:nvPr/>
+        </p:nvCxnSpPr>
+        <p:spPr>
+          <a:xfrm rot="16200000" flipH="1">
+            <a:off x="6185106" y="3180581"/>
+            <a:ext cx="1471291" cy="3243432"/>
+          </a:xfrm>
+          <a:prstGeom prst="bentConnector3">
+            <a:avLst/>
+          </a:prstGeom>
+          <a:ln>
+            <a:tailEnd type="triangle"/>
+          </a:ln>
+        </p:spPr>
+        <p:style>
+          <a:lnRef idx="1">
+            <a:schemeClr val="accent1"/>
+          </a:lnRef>
+          <a:fillRef idx="0">
+            <a:schemeClr val="accent1"/>
+          </a:fillRef>
+          <a:effectRef idx="0">
+            <a:schemeClr val="accent1"/>
+          </a:effectRef>
+          <a:fontRef idx="minor">
+            <a:schemeClr val="tx1"/>
+          </a:fontRef>
+        </p:style>
+      </p:cxnSp>
+      <p:sp>
+        <p:nvSpPr>
+          <p:cNvPr id="20" name="文本框 19">
+            <a:extLst>
+              <a:ext uri="{FF2B5EF4-FFF2-40B4-BE49-F238E27FC236}">
+                <a16:creationId xmlns:a16="http://schemas.microsoft.com/office/drawing/2014/main" id="{965C3C62-57FC-E049-D168-7ADC41E3FA1D}"/>
+              </a:ext>
+            </a:extLst>
+          </p:cNvPr>
+          <p:cNvSpPr txBox="1"/>
+          <p:nvPr/>
+        </p:nvSpPr>
+        <p:spPr>
+          <a:xfrm>
+            <a:off x="5299035" y="4946269"/>
+            <a:ext cx="982961" cy="338554"/>
+          </a:xfrm>
+          <a:prstGeom prst="rect">
+            <a:avLst/>
+          </a:prstGeom>
+          <a:noFill/>
+        </p:spPr>
+        <p:txBody>
+          <a:bodyPr wrap="none" rtlCol="0">
+            <a:spAutoFit/>
+          </a:bodyPr>
+          <a:lstStyle/>
+          <a:p>
+            <a:r>
+              <a:rPr lang="en-US" altLang="zh-CN" sz="1600" dirty="0"/>
+              <a:t>OPB BUS</a:t>
+            </a:r>
+            <a:endParaRPr lang="zh-CN" altLang="en-US" sz="1600" dirty="0"/>
+          </a:p>
+        </p:txBody>
+      </p:sp>
+      <p:sp>
+        <p:nvSpPr>
+          <p:cNvPr id="38" name="文本框 37">
+            <a:extLst>
+              <a:ext uri="{FF2B5EF4-FFF2-40B4-BE49-F238E27FC236}">
+                <a16:creationId xmlns:a16="http://schemas.microsoft.com/office/drawing/2014/main" id="{B57D0829-57D0-D9C0-1300-8AD94455FD84}"/>
+              </a:ext>
+            </a:extLst>
+          </p:cNvPr>
+          <p:cNvSpPr txBox="1"/>
+          <p:nvPr/>
+        </p:nvSpPr>
+        <p:spPr>
+          <a:xfrm>
+            <a:off x="8542467" y="2751348"/>
+            <a:ext cx="750526" cy="369332"/>
+          </a:xfrm>
+          <a:prstGeom prst="rect">
+            <a:avLst/>
+          </a:prstGeom>
+          <a:noFill/>
+        </p:spPr>
+        <p:txBody>
+          <a:bodyPr wrap="none" rtlCol="0">
+            <a:spAutoFit/>
+          </a:bodyPr>
+          <a:lstStyle/>
+          <a:p>
+            <a:r>
+              <a:rPr lang="en-US" altLang="zh-CN" b="1" dirty="0"/>
+              <a:t>FPGA</a:t>
+            </a:r>
+            <a:endParaRPr lang="zh-CN" altLang="en-US" b="1" dirty="0"/>
+          </a:p>
+        </p:txBody>
+      </p:sp>
+      <p:sp>
+        <p:nvSpPr>
+          <p:cNvPr id="22" name="文本框 21">
+            <a:extLst>
+              <a:ext uri="{FF2B5EF4-FFF2-40B4-BE49-F238E27FC236}">
+                <a16:creationId xmlns:a16="http://schemas.microsoft.com/office/drawing/2014/main" id="{475E7313-62D1-0652-D69F-833145E5DD0E}"/>
+              </a:ext>
+            </a:extLst>
+          </p:cNvPr>
+          <p:cNvSpPr txBox="1"/>
+          <p:nvPr/>
+        </p:nvSpPr>
+        <p:spPr>
+          <a:xfrm>
+            <a:off x="1031389" y="6301720"/>
+            <a:ext cx="6096896" cy="369332"/>
+          </a:xfrm>
+          <a:prstGeom prst="rect">
+            <a:avLst/>
+          </a:prstGeom>
+          <a:noFill/>
+        </p:spPr>
+        <p:txBody>
+          <a:bodyPr wrap="square">
+            <a:spAutoFit/>
+          </a:bodyPr>
+          <a:lstStyle/>
+          <a:p>
+            <a:r>
+              <a:rPr lang="en-US" altLang="zh-CN" dirty="0"/>
+              <a:t>FGPA: 3APE3000-FGG484 </a:t>
+            </a:r>
+            <a:r>
+              <a:rPr lang="en-US" altLang="zh-CN" dirty="0">
+                <a:sym typeface="Wingdings" panose="05000000000000000000" pitchFamily="2" charset="2"/>
+              </a:rPr>
+              <a:t> MPF100T-FCG484E</a:t>
+            </a:r>
+          </a:p>
+        </p:txBody>
+      </p:sp>
+      <p:pic>
+        <p:nvPicPr>
+          <p:cNvPr id="24" name="图片 23">
+            <a:extLst>
+              <a:ext uri="{FF2B5EF4-FFF2-40B4-BE49-F238E27FC236}">
+                <a16:creationId xmlns:a16="http://schemas.microsoft.com/office/drawing/2014/main" id="{2A2F9C28-8326-90C5-8F70-B6935876B296}"/>
+              </a:ext>
+            </a:extLst>
+          </p:cNvPr>
+          <p:cNvPicPr>
+            <a:picLocks noChangeAspect="1"/>
+          </p:cNvPicPr>
+          <p:nvPr/>
+        </p:nvPicPr>
+        <p:blipFill>
+          <a:blip r:embed="rId2"/>
+          <a:stretch>
+            <a:fillRect/>
+          </a:stretch>
+        </p:blipFill>
+        <p:spPr>
+          <a:xfrm>
+            <a:off x="9131254" y="569395"/>
+            <a:ext cx="2878054" cy="1975302"/>
+          </a:xfrm>
+          <a:prstGeom prst="rect">
+            <a:avLst/>
+          </a:prstGeom>
+          <a:ln>
+            <a:solidFill>
+              <a:schemeClr val="accent1"/>
+            </a:solidFill>
+          </a:ln>
+        </p:spPr>
+      </p:pic>
+      <p:cxnSp>
+        <p:nvCxnSpPr>
+          <p:cNvPr id="27" name="直接连接符 26">
+            <a:extLst>
+              <a:ext uri="{FF2B5EF4-FFF2-40B4-BE49-F238E27FC236}">
+                <a16:creationId xmlns:a16="http://schemas.microsoft.com/office/drawing/2014/main" id="{97F2C248-6D76-0611-A628-C54C906D3DD6}"/>
+              </a:ext>
+            </a:extLst>
+          </p:cNvPr>
+          <p:cNvCxnSpPr>
+            <a:stCxn id="24" idx="1"/>
+            <a:endCxn id="9" idx="3"/>
+          </p:cNvCxnSpPr>
+          <p:nvPr/>
+        </p:nvCxnSpPr>
+        <p:spPr>
+          <a:xfrm flipH="1">
+            <a:off x="5974220" y="1557046"/>
+            <a:ext cx="3157034" cy="898030"/>
+          </a:xfrm>
+          <a:prstGeom prst="line">
+            <a:avLst/>
+          </a:prstGeom>
+          <a:ln w="9525" cap="flat" cmpd="sng" algn="ctr">
+            <a:solidFill>
+              <a:schemeClr val="dk1"/>
+            </a:solidFill>
+            <a:prstDash val="dash"/>
+            <a:round/>
+            <a:headEnd type="none" w="med" len="med"/>
+            <a:tailEnd type="none" w="med" len="med"/>
+          </a:ln>
+        </p:spPr>
+        <p:style>
+          <a:lnRef idx="0">
+            <a:scrgbClr r="0" g="0" b="0"/>
+          </a:lnRef>
+          <a:fillRef idx="0">
+            <a:scrgbClr r="0" g="0" b="0"/>
+          </a:fillRef>
+          <a:effectRef idx="0">
+            <a:scrgbClr r="0" g="0" b="0"/>
+          </a:effectRef>
+          <a:fontRef idx="minor">
+            <a:schemeClr val="tx1"/>
+          </a:fontRef>
+        </p:style>
+      </p:cxnSp>
+      <p:sp>
+        <p:nvSpPr>
+          <p:cNvPr id="28" name="文本框 27">
+            <a:extLst>
+              <a:ext uri="{FF2B5EF4-FFF2-40B4-BE49-F238E27FC236}">
+                <a16:creationId xmlns:a16="http://schemas.microsoft.com/office/drawing/2014/main" id="{67F19371-1409-5B81-9F64-4EBB2BE4305C}"/>
+              </a:ext>
+            </a:extLst>
+          </p:cNvPr>
+          <p:cNvSpPr txBox="1"/>
+          <p:nvPr/>
+        </p:nvSpPr>
+        <p:spPr>
+          <a:xfrm>
+            <a:off x="62042" y="28198"/>
+            <a:ext cx="5221158" cy="1477328"/>
+          </a:xfrm>
+          <a:prstGeom prst="rect">
+            <a:avLst/>
+          </a:prstGeom>
+          <a:noFill/>
+        </p:spPr>
+        <p:txBody>
+          <a:bodyPr wrap="square" rtlCol="0">
+            <a:spAutoFit/>
+          </a:bodyPr>
+          <a:lstStyle/>
+          <a:p>
+            <a:r>
+              <a:rPr lang="en-US" altLang="zh-CN" b="1" dirty="0"/>
+              <a:t>Note</a:t>
+            </a:r>
+            <a:r>
+              <a:rPr lang="en-US" altLang="zh-CN" dirty="0"/>
+              <a:t>:</a:t>
+            </a:r>
+          </a:p>
+          <a:p>
+            <a:pPr marL="342900" indent="-342900">
+              <a:buAutoNum type="arabicPeriod"/>
+            </a:pPr>
+            <a:r>
+              <a:rPr lang="en-US" altLang="zh-CN" dirty="0"/>
+              <a:t>J18, 24V_IN and GND</a:t>
+            </a:r>
+          </a:p>
+          <a:p>
+            <a:pPr marL="342900" indent="-342900">
+              <a:buAutoNum type="arabicPeriod"/>
+            </a:pPr>
+            <a:r>
+              <a:rPr lang="en-US" altLang="zh-CN" dirty="0"/>
+              <a:t>J11-10, DEBUG_HEADER10, 16KHz Ref Clock</a:t>
+            </a:r>
+          </a:p>
+          <a:p>
+            <a:pPr marL="342900" indent="-342900">
+              <a:buAutoNum type="arabicPeriod"/>
+            </a:pPr>
+            <a:r>
+              <a:rPr lang="en-US" altLang="zh-CN" dirty="0"/>
+              <a:t>J11-2, J11-3, RXD and TXD</a:t>
+            </a:r>
+          </a:p>
+          <a:p>
+            <a:pPr marL="342900" indent="-342900">
+              <a:buAutoNum type="arabicPeriod"/>
+            </a:pPr>
+            <a:endParaRPr lang="en-US" altLang="zh-CN" dirty="0"/>
+          </a:p>
+        </p:txBody>
+      </p:sp>
+      <p:sp>
+        <p:nvSpPr>
+          <p:cNvPr id="103" name="矩形 102">
+            <a:extLst>
+              <a:ext uri="{FF2B5EF4-FFF2-40B4-BE49-F238E27FC236}">
+                <a16:creationId xmlns:a16="http://schemas.microsoft.com/office/drawing/2014/main" id="{7FB732FF-2F19-9F92-D185-0191D60E28F1}"/>
+              </a:ext>
+            </a:extLst>
+          </p:cNvPr>
+          <p:cNvSpPr/>
+          <p:nvPr/>
+        </p:nvSpPr>
+        <p:spPr>
+          <a:xfrm>
+            <a:off x="3677321" y="2689412"/>
+            <a:ext cx="3243431" cy="1694329"/>
+          </a:xfrm>
+          <a:prstGeom prst="rect">
+            <a:avLst/>
+          </a:prstGeom>
+        </p:spPr>
+        <p:style>
+          <a:lnRef idx="2">
+            <a:schemeClr val="accent1"/>
+          </a:lnRef>
+          <a:fillRef idx="1">
+            <a:schemeClr val="lt1"/>
+          </a:fillRef>
+          <a:effectRef idx="0">
+            <a:schemeClr val="accent1"/>
+          </a:effectRef>
+          <a:fontRef idx="minor">
+            <a:schemeClr val="dk1"/>
+          </a:fontRef>
+        </p:style>
+        <p:txBody>
+          <a:bodyPr rtlCol="0" anchor="ctr"/>
+          <a:lstStyle/>
+          <a:p>
+            <a:endParaRPr lang="en-US" altLang="zh-CN" dirty="0"/>
+          </a:p>
+          <a:p>
+            <a:endParaRPr lang="en-US" altLang="zh-CN" dirty="0"/>
+          </a:p>
+          <a:p>
+            <a:endParaRPr lang="en-US" altLang="zh-CN" dirty="0"/>
+          </a:p>
+          <a:p>
+            <a:endParaRPr lang="en-US" altLang="zh-CN" dirty="0"/>
+          </a:p>
+          <a:p>
+            <a:endParaRPr lang="en-US" altLang="zh-CN" dirty="0"/>
+          </a:p>
+          <a:p>
+            <a:pPr algn="ctr"/>
+            <a:r>
+              <a:rPr lang="en-US" altLang="zh-CN" dirty="0"/>
+              <a:t>CMD_SERVER</a:t>
+            </a:r>
+            <a:endParaRPr lang="zh-CN" altLang="en-US" dirty="0"/>
+          </a:p>
+        </p:txBody>
+      </p:sp>
+      <p:grpSp>
+        <p:nvGrpSpPr>
+          <p:cNvPr id="102" name="组合 101">
+            <a:extLst>
+              <a:ext uri="{FF2B5EF4-FFF2-40B4-BE49-F238E27FC236}">
+                <a16:creationId xmlns:a16="http://schemas.microsoft.com/office/drawing/2014/main" id="{EAF73FDB-52DE-3318-BE62-842DCEB0FCA3}"/>
+              </a:ext>
+            </a:extLst>
+          </p:cNvPr>
+          <p:cNvGrpSpPr/>
+          <p:nvPr/>
+        </p:nvGrpSpPr>
+        <p:grpSpPr>
+          <a:xfrm>
+            <a:off x="4202651" y="2751348"/>
+            <a:ext cx="2198379" cy="1315304"/>
+            <a:chOff x="4202651" y="2751348"/>
+            <a:chExt cx="2198379" cy="1315304"/>
+          </a:xfrm>
+        </p:grpSpPr>
+        <p:sp>
+          <p:nvSpPr>
+            <p:cNvPr id="5" name="矩形 4">
+              <a:extLst>
+                <a:ext uri="{FF2B5EF4-FFF2-40B4-BE49-F238E27FC236}">
+                  <a16:creationId xmlns:a16="http://schemas.microsoft.com/office/drawing/2014/main" id="{F0ED13DD-3392-64FB-C4FA-CB603F92F6F1}"/>
+                </a:ext>
+              </a:extLst>
+            </p:cNvPr>
+            <p:cNvSpPr/>
+            <p:nvPr/>
+          </p:nvSpPr>
+          <p:spPr>
+            <a:xfrm>
+              <a:off x="4202651" y="3759629"/>
+              <a:ext cx="2192767" cy="307023"/>
+            </a:xfrm>
+            <a:prstGeom prst="rect">
+              <a:avLst/>
+            </a:prstGeom>
+          </p:spPr>
+          <p:style>
+            <a:lnRef idx="2">
+              <a:schemeClr val="accent1"/>
+            </a:lnRef>
+            <a:fillRef idx="1">
+              <a:schemeClr val="lt1"/>
+            </a:fillRef>
+            <a:effectRef idx="0">
+              <a:schemeClr val="accent1"/>
+            </a:effectRef>
+            <a:fontRef idx="minor">
+              <a:schemeClr val="dk1"/>
+            </a:fontRef>
+          </p:style>
+          <p:txBody>
+            <a:bodyPr rtlCol="0" anchor="ctr"/>
+            <a:lstStyle/>
+            <a:p>
+              <a:pPr algn="ctr"/>
+              <a:r>
+                <a:rPr lang="en-US" altLang="zh-CN" dirty="0"/>
+                <a:t>ADDER_DECODE</a:t>
+              </a:r>
+              <a:endParaRPr lang="zh-CN" altLang="en-US" dirty="0"/>
+            </a:p>
+          </p:txBody>
+        </p:sp>
+        <p:sp>
+          <p:nvSpPr>
+            <p:cNvPr id="26" name="矩形 25">
+              <a:extLst>
+                <a:ext uri="{FF2B5EF4-FFF2-40B4-BE49-F238E27FC236}">
+                  <a16:creationId xmlns:a16="http://schemas.microsoft.com/office/drawing/2014/main" id="{5DD8B72C-75AA-3166-811D-465DF10F8FF9}"/>
+                </a:ext>
+              </a:extLst>
+            </p:cNvPr>
+            <p:cNvSpPr/>
+            <p:nvPr/>
+          </p:nvSpPr>
+          <p:spPr>
+            <a:xfrm>
+              <a:off x="4208263" y="2751348"/>
+              <a:ext cx="2192767" cy="322291"/>
+            </a:xfrm>
+            <a:prstGeom prst="rect">
+              <a:avLst/>
+            </a:prstGeom>
+          </p:spPr>
+          <p:style>
+            <a:lnRef idx="2">
+              <a:schemeClr val="accent1"/>
+            </a:lnRef>
+            <a:fillRef idx="1">
+              <a:schemeClr val="lt1"/>
+            </a:fillRef>
+            <a:effectRef idx="0">
+              <a:schemeClr val="accent1"/>
+            </a:effectRef>
+            <a:fontRef idx="minor">
+              <a:schemeClr val="dk1"/>
+            </a:fontRef>
+          </p:style>
+          <p:txBody>
+            <a:bodyPr rtlCol="0" anchor="ctr"/>
+            <a:lstStyle/>
+            <a:p>
+              <a:pPr algn="ctr"/>
+              <a:r>
+                <a:rPr lang="en-US" altLang="zh-CN" dirty="0"/>
+                <a:t>UART_INTERFACE</a:t>
+              </a:r>
+              <a:endParaRPr lang="zh-CN" altLang="en-US" dirty="0"/>
+            </a:p>
+          </p:txBody>
+        </p:sp>
+        <p:sp>
+          <p:nvSpPr>
+            <p:cNvPr id="31" name="矩形 30">
+              <a:extLst>
+                <a:ext uri="{FF2B5EF4-FFF2-40B4-BE49-F238E27FC236}">
+                  <a16:creationId xmlns:a16="http://schemas.microsoft.com/office/drawing/2014/main" id="{CD8418E8-767E-7EDD-7AF9-1C8860966B98}"/>
+                </a:ext>
+              </a:extLst>
+            </p:cNvPr>
+            <p:cNvSpPr/>
+            <p:nvPr/>
+          </p:nvSpPr>
+          <p:spPr>
+            <a:xfrm>
+              <a:off x="4202652" y="3089281"/>
+              <a:ext cx="2192767" cy="322291"/>
+            </a:xfrm>
+            <a:prstGeom prst="rect">
+              <a:avLst/>
+            </a:prstGeom>
+          </p:spPr>
+          <p:style>
+            <a:lnRef idx="2">
+              <a:schemeClr val="accent1"/>
+            </a:lnRef>
+            <a:fillRef idx="1">
+              <a:schemeClr val="lt1"/>
+            </a:fillRef>
+            <a:effectRef idx="0">
+              <a:schemeClr val="accent1"/>
+            </a:effectRef>
+            <a:fontRef idx="minor">
+              <a:schemeClr val="dk1"/>
+            </a:fontRef>
+          </p:style>
+          <p:txBody>
+            <a:bodyPr rtlCol="0" anchor="ctr"/>
+            <a:lstStyle/>
+            <a:p>
+              <a:pPr algn="ctr"/>
+              <a:r>
+                <a:rPr lang="en-US" altLang="zh-CN" dirty="0"/>
+                <a:t>MSG_GET/SET</a:t>
+              </a:r>
+              <a:endParaRPr lang="zh-CN" altLang="en-US" dirty="0"/>
+            </a:p>
+          </p:txBody>
+        </p:sp>
+        <p:sp>
+          <p:nvSpPr>
+            <p:cNvPr id="78" name="矩形 77">
+              <a:extLst>
+                <a:ext uri="{FF2B5EF4-FFF2-40B4-BE49-F238E27FC236}">
+                  <a16:creationId xmlns:a16="http://schemas.microsoft.com/office/drawing/2014/main" id="{3C56B71F-0021-78C6-9571-C3F45120EE3E}"/>
+                </a:ext>
+              </a:extLst>
+            </p:cNvPr>
+            <p:cNvSpPr/>
+            <p:nvPr/>
+          </p:nvSpPr>
+          <p:spPr>
+            <a:xfrm>
+              <a:off x="4202652" y="3424455"/>
+              <a:ext cx="2192767" cy="322291"/>
+            </a:xfrm>
+            <a:prstGeom prst="rect">
+              <a:avLst/>
+            </a:prstGeom>
+          </p:spPr>
+          <p:style>
+            <a:lnRef idx="2">
+              <a:schemeClr val="accent1"/>
+            </a:lnRef>
+            <a:fillRef idx="1">
+              <a:schemeClr val="lt1"/>
+            </a:fillRef>
+            <a:effectRef idx="0">
+              <a:schemeClr val="accent1"/>
+            </a:effectRef>
+            <a:fontRef idx="minor">
+              <a:schemeClr val="dk1"/>
+            </a:fontRef>
+          </p:style>
+          <p:txBody>
+            <a:bodyPr rtlCol="0" anchor="ctr"/>
+            <a:lstStyle/>
+            <a:p>
+              <a:pPr algn="ctr"/>
+              <a:r>
+                <a:rPr lang="en-US" altLang="zh-CN" dirty="0"/>
+                <a:t>OPB_EMU_TARGET</a:t>
+              </a:r>
+              <a:endParaRPr lang="zh-CN" altLang="en-US" dirty="0"/>
+            </a:p>
+          </p:txBody>
+        </p:sp>
+      </p:grpSp>
+    </p:spTree>
+    <p:extLst>
+      <p:ext uri="{BB962C8B-B14F-4D97-AF65-F5344CB8AC3E}">
+        <p14:creationId xmlns:p14="http://schemas.microsoft.com/office/powerpoint/2010/main" val="2245462991"/>
+      </p:ext>
+    </p:extLst>
+  </p:cSld>
+  <p:clrMapOvr>
+    <a:masterClrMapping/>
+  </p:clrMapOvr>
+</p:sld>
+</file>
+
+<file path=ppt/slides/slide4.xml><?xml version="1.0" encoding="utf-8"?>
+<p:sld xmlns:a="http://schemas.openxmlformats.org/drawingml/2006/main" xmlns:r="http://schemas.openxmlformats.org/officeDocument/2006/relationships" xmlns:p="http://schemas.openxmlformats.org/presentationml/2006/main">
+  <p:cSld>
+    <p:spTree>
+      <p:nvGrpSpPr>
+        <p:cNvPr id="1" name=""/>
+        <p:cNvGrpSpPr/>
+        <p:nvPr/>
+      </p:nvGrpSpPr>
+      <p:grpSpPr>
+        <a:xfrm>
+          <a:off x="0" y="0"/>
+          <a:ext cx="0" cy="0"/>
+          <a:chOff x="0" y="0"/>
+          <a:chExt cx="0" cy="0"/>
+        </a:xfrm>
+      </p:grpSpPr>
+      <p:sp>
+        <p:nvSpPr>
+          <p:cNvPr id="2" name="文本框 1">
+            <a:extLst>
+              <a:ext uri="{FF2B5EF4-FFF2-40B4-BE49-F238E27FC236}">
+                <a16:creationId xmlns:a16="http://schemas.microsoft.com/office/drawing/2014/main" id="{A5D4083B-F63C-EB6B-E78E-368698D6B3AC}"/>
+              </a:ext>
+            </a:extLst>
+          </p:cNvPr>
+          <p:cNvSpPr txBox="1"/>
+          <p:nvPr/>
+        </p:nvSpPr>
+        <p:spPr>
+          <a:xfrm>
+            <a:off x="49342" y="85348"/>
+            <a:ext cx="4713158" cy="4247317"/>
+          </a:xfrm>
+          <a:prstGeom prst="rect">
+            <a:avLst/>
+          </a:prstGeom>
+          <a:noFill/>
+        </p:spPr>
+        <p:txBody>
+          <a:bodyPr wrap="square" rtlCol="0">
+            <a:spAutoFit/>
+          </a:bodyPr>
+          <a:lstStyle/>
+          <a:p>
+            <a:r>
+              <a:rPr lang="en-US" altLang="zh-CN" b="1" dirty="0"/>
+              <a:t>FPGA Design</a:t>
+            </a:r>
+            <a:endParaRPr lang="en-US" altLang="zh-CN" dirty="0"/>
+          </a:p>
+          <a:p>
+            <a:pPr marL="342900" indent="-342900">
+              <a:buAutoNum type="arabicPeriod"/>
+            </a:pPr>
+            <a:r>
+              <a:rPr lang="en-US" altLang="zh-CN" dirty="0"/>
+              <a:t>FPGA Register Map</a:t>
+            </a:r>
+          </a:p>
+          <a:p>
+            <a:pPr marL="342900" indent="-342900">
+              <a:buAutoNum type="arabicPeriod"/>
+            </a:pPr>
+            <a:r>
+              <a:rPr lang="en-US" altLang="zh-CN" dirty="0"/>
+              <a:t>Write Register</a:t>
+            </a:r>
+          </a:p>
+          <a:p>
+            <a:pPr lvl="1"/>
+            <a:r>
+              <a:rPr lang="en-US" altLang="zh-CN" dirty="0"/>
+              <a:t>- OPB Write</a:t>
+            </a:r>
+          </a:p>
+          <a:p>
+            <a:pPr marL="342900" indent="-342900">
+              <a:buAutoNum type="arabicPeriod"/>
+            </a:pPr>
+            <a:r>
+              <a:rPr lang="en-US" altLang="zh-CN" dirty="0"/>
+              <a:t>Read Register</a:t>
+            </a:r>
+          </a:p>
+          <a:p>
+            <a:pPr lvl="1"/>
+            <a:r>
+              <a:rPr lang="en-US" altLang="zh-CN" dirty="0"/>
+              <a:t>- OPB Read</a:t>
+            </a:r>
+          </a:p>
+          <a:p>
+            <a:endParaRPr lang="en-US" altLang="zh-CN" dirty="0"/>
+          </a:p>
+          <a:p>
+            <a:r>
+              <a:rPr lang="en-US" altLang="zh-CN" b="1" dirty="0"/>
+              <a:t>Communication Protocol</a:t>
+            </a:r>
+            <a:endParaRPr lang="en-US" altLang="zh-CN" dirty="0"/>
+          </a:p>
+          <a:p>
+            <a:pPr marL="342900" indent="-342900">
+              <a:buAutoNum type="arabicPeriod"/>
+            </a:pPr>
+            <a:r>
+              <a:rPr lang="en-US" altLang="zh-CN" dirty="0"/>
+              <a:t>OPB Write</a:t>
+            </a:r>
+          </a:p>
+          <a:p>
+            <a:pPr marL="800100" lvl="1" indent="-342900">
+              <a:buFont typeface="+mj-lt"/>
+              <a:buAutoNum type="alphaLcParenR"/>
+            </a:pPr>
+            <a:r>
+              <a:rPr lang="en-US" altLang="zh-CN" dirty="0"/>
+              <a:t>Send OPB-Write Message</a:t>
+            </a:r>
+          </a:p>
+          <a:p>
+            <a:pPr marL="800100" lvl="1" indent="-342900">
+              <a:buFont typeface="+mj-lt"/>
+              <a:buAutoNum type="alphaLcParenR"/>
+            </a:pPr>
+            <a:r>
+              <a:rPr lang="en-US" altLang="zh-CN" dirty="0"/>
+              <a:t>Receive OPB-Write Message</a:t>
+            </a:r>
+          </a:p>
+          <a:p>
+            <a:pPr marL="342900" indent="-342900">
+              <a:buAutoNum type="arabicPeriod"/>
+            </a:pPr>
+            <a:r>
+              <a:rPr lang="en-US" altLang="zh-CN" dirty="0"/>
+              <a:t>OPB Read</a:t>
+            </a:r>
+          </a:p>
+          <a:p>
+            <a:pPr marL="800100" lvl="1" indent="-342900">
+              <a:buFont typeface="+mj-lt"/>
+              <a:buAutoNum type="alphaLcParenR"/>
+            </a:pPr>
+            <a:r>
+              <a:rPr lang="en-US" altLang="zh-CN" dirty="0"/>
+              <a:t>Send OPB-Read Message</a:t>
+            </a:r>
+          </a:p>
+          <a:p>
+            <a:pPr marL="800100" lvl="1" indent="-342900">
+              <a:buFont typeface="+mj-lt"/>
+              <a:buAutoNum type="alphaLcParenR"/>
+            </a:pPr>
+            <a:r>
+              <a:rPr lang="en-US" altLang="zh-CN" dirty="0"/>
+              <a:t>Receive OPB-Read Message</a:t>
+            </a:r>
+          </a:p>
+          <a:p>
+            <a:endParaRPr lang="en-US" altLang="zh-CN" dirty="0"/>
+          </a:p>
+        </p:txBody>
+      </p:sp>
+      <p:graphicFrame>
+        <p:nvGraphicFramePr>
+          <p:cNvPr id="5" name="表格 4">
+            <a:extLst>
+              <a:ext uri="{FF2B5EF4-FFF2-40B4-BE49-F238E27FC236}">
+                <a16:creationId xmlns:a16="http://schemas.microsoft.com/office/drawing/2014/main" id="{67A6209D-AC5C-A65C-21F2-7F9BFBB6AA29}"/>
+              </a:ext>
+            </a:extLst>
+          </p:cNvPr>
+          <p:cNvGraphicFramePr>
+            <a:graphicFrameLocks noGrp="1"/>
+          </p:cNvGraphicFramePr>
+          <p:nvPr>
+            <p:extLst>
+              <p:ext uri="{D42A27DB-BD31-4B8C-83A1-F6EECF244321}">
+                <p14:modId xmlns:p14="http://schemas.microsoft.com/office/powerpoint/2010/main" val="3518158300"/>
+              </p:ext>
+            </p:extLst>
+          </p:nvPr>
+        </p:nvGraphicFramePr>
+        <p:xfrm>
+          <a:off x="247629" y="5512422"/>
+          <a:ext cx="8667787" cy="1112520"/>
+        </p:xfrm>
+        <a:graphic>
+          <a:graphicData uri="http://schemas.openxmlformats.org/drawingml/2006/table">
+            <a:tbl>
+              <a:tblPr firstRow="1" bandRow="1">
+                <a:tableStyleId>{5C22544A-7EE6-4342-B048-85BDC9FD1C3A}</a:tableStyleId>
+              </a:tblPr>
+              <a:tblGrid>
+                <a:gridCol w="1279037">
+                  <a:extLst>
+                    <a:ext uri="{9D8B030D-6E8A-4147-A177-3AD203B41FA5}">
+                      <a16:colId xmlns:a16="http://schemas.microsoft.com/office/drawing/2014/main" val="798202884"/>
+                    </a:ext>
+                  </a:extLst>
+                </a:gridCol>
+                <a:gridCol w="738875">
+                  <a:extLst>
+                    <a:ext uri="{9D8B030D-6E8A-4147-A177-3AD203B41FA5}">
+                      <a16:colId xmlns:a16="http://schemas.microsoft.com/office/drawing/2014/main" val="1205147204"/>
+                    </a:ext>
+                  </a:extLst>
+                </a:gridCol>
+                <a:gridCol w="738875">
+                  <a:extLst>
+                    <a:ext uri="{9D8B030D-6E8A-4147-A177-3AD203B41FA5}">
+                      <a16:colId xmlns:a16="http://schemas.microsoft.com/office/drawing/2014/main" val="1358260558"/>
+                    </a:ext>
+                  </a:extLst>
+                </a:gridCol>
+                <a:gridCol w="738875">
+                  <a:extLst>
+                    <a:ext uri="{9D8B030D-6E8A-4147-A177-3AD203B41FA5}">
+                      <a16:colId xmlns:a16="http://schemas.microsoft.com/office/drawing/2014/main" val="3779472811"/>
+                    </a:ext>
+                  </a:extLst>
+                </a:gridCol>
+                <a:gridCol w="738875">
+                  <a:extLst>
+                    <a:ext uri="{9D8B030D-6E8A-4147-A177-3AD203B41FA5}">
+                      <a16:colId xmlns:a16="http://schemas.microsoft.com/office/drawing/2014/main" val="1000135439"/>
+                    </a:ext>
+                  </a:extLst>
+                </a:gridCol>
+                <a:gridCol w="738875">
+                  <a:extLst>
+                    <a:ext uri="{9D8B030D-6E8A-4147-A177-3AD203B41FA5}">
+                      <a16:colId xmlns:a16="http://schemas.microsoft.com/office/drawing/2014/main" val="2014424183"/>
+                    </a:ext>
+                  </a:extLst>
+                </a:gridCol>
+                <a:gridCol w="738875">
+                  <a:extLst>
+                    <a:ext uri="{9D8B030D-6E8A-4147-A177-3AD203B41FA5}">
+                      <a16:colId xmlns:a16="http://schemas.microsoft.com/office/drawing/2014/main" val="2691193059"/>
+                    </a:ext>
+                  </a:extLst>
+                </a:gridCol>
+                <a:gridCol w="738875">
+                  <a:extLst>
+                    <a:ext uri="{9D8B030D-6E8A-4147-A177-3AD203B41FA5}">
+                      <a16:colId xmlns:a16="http://schemas.microsoft.com/office/drawing/2014/main" val="154147748"/>
+                    </a:ext>
+                  </a:extLst>
+                </a:gridCol>
+                <a:gridCol w="738875">
+                  <a:extLst>
+                    <a:ext uri="{9D8B030D-6E8A-4147-A177-3AD203B41FA5}">
+                      <a16:colId xmlns:a16="http://schemas.microsoft.com/office/drawing/2014/main" val="2550300017"/>
+                    </a:ext>
+                  </a:extLst>
+                </a:gridCol>
+                <a:gridCol w="738875">
+                  <a:extLst>
+                    <a:ext uri="{9D8B030D-6E8A-4147-A177-3AD203B41FA5}">
+                      <a16:colId xmlns:a16="http://schemas.microsoft.com/office/drawing/2014/main" val="577558344"/>
+                    </a:ext>
+                  </a:extLst>
+                </a:gridCol>
+                <a:gridCol w="738875">
+                  <a:extLst>
+                    <a:ext uri="{9D8B030D-6E8A-4147-A177-3AD203B41FA5}">
+                      <a16:colId xmlns:a16="http://schemas.microsoft.com/office/drawing/2014/main" val="39594988"/>
+                    </a:ext>
+                  </a:extLst>
+                </a:gridCol>
+              </a:tblGrid>
+              <a:tr h="370840">
+                <a:tc>
+                  <a:txBody>
+                    <a:bodyPr/>
+                    <a:lstStyle/>
+                    <a:p>
+                      <a:r>
+                        <a:rPr lang="en-US" altLang="zh-CN" dirty="0"/>
+                        <a:t>Bytes</a:t>
+                      </a:r>
+                      <a:endParaRPr lang="zh-CN" altLang="en-US" dirty="0"/>
+                    </a:p>
+                  </a:txBody>
+                  <a:tcPr/>
+                </a:tc>
+                <a:tc>
+                  <a:txBody>
+                    <a:bodyPr/>
+                    <a:lstStyle/>
+                    <a:p>
+                      <a:r>
+                        <a:rPr lang="en-US" altLang="zh-CN" dirty="0"/>
+                        <a:t>1</a:t>
+                      </a:r>
+                      <a:endParaRPr lang="zh-CN" altLang="en-US" dirty="0"/>
+                    </a:p>
+                  </a:txBody>
+                  <a:tcPr/>
+                </a:tc>
+                <a:tc>
+                  <a:txBody>
+                    <a:bodyPr/>
+                    <a:lstStyle/>
+                    <a:p>
+                      <a:r>
+                        <a:rPr lang="en-US" altLang="zh-CN" dirty="0"/>
+                        <a:t>2</a:t>
+                      </a:r>
+                      <a:endParaRPr lang="zh-CN" altLang="en-US" dirty="0"/>
+                    </a:p>
+                  </a:txBody>
+                  <a:tcPr/>
+                </a:tc>
+                <a:tc>
+                  <a:txBody>
+                    <a:bodyPr/>
+                    <a:lstStyle/>
+                    <a:p>
+                      <a:r>
+                        <a:rPr lang="en-US" altLang="zh-CN" dirty="0"/>
+                        <a:t>3</a:t>
+                      </a:r>
+                      <a:endParaRPr lang="zh-CN" altLang="en-US" dirty="0"/>
+                    </a:p>
+                  </a:txBody>
+                  <a:tcPr/>
+                </a:tc>
+                <a:tc>
+                  <a:txBody>
+                    <a:bodyPr/>
+                    <a:lstStyle/>
+                    <a:p>
+                      <a:r>
+                        <a:rPr lang="en-US" altLang="zh-CN" dirty="0"/>
+                        <a:t>4</a:t>
+                      </a:r>
+                      <a:endParaRPr lang="zh-CN" altLang="en-US" dirty="0"/>
+                    </a:p>
+                  </a:txBody>
+                  <a:tcPr/>
+                </a:tc>
+                <a:tc>
+                  <a:txBody>
+                    <a:bodyPr/>
+                    <a:lstStyle/>
+                    <a:p>
+                      <a:r>
+                        <a:rPr lang="en-US" altLang="zh-CN" dirty="0"/>
+                        <a:t>5</a:t>
+                      </a:r>
+                      <a:endParaRPr lang="zh-CN" altLang="en-US" dirty="0"/>
+                    </a:p>
+                  </a:txBody>
+                  <a:tcPr/>
+                </a:tc>
+                <a:tc>
+                  <a:txBody>
+                    <a:bodyPr/>
+                    <a:lstStyle/>
+                    <a:p>
+                      <a:r>
+                        <a:rPr lang="en-US" altLang="zh-CN" dirty="0"/>
+                        <a:t>6</a:t>
+                      </a:r>
+                      <a:endParaRPr lang="zh-CN" altLang="en-US" dirty="0"/>
+                    </a:p>
+                  </a:txBody>
+                  <a:tcPr/>
+                </a:tc>
+                <a:tc>
+                  <a:txBody>
+                    <a:bodyPr/>
+                    <a:lstStyle/>
+                    <a:p>
+                      <a:r>
+                        <a:rPr lang="en-US" altLang="zh-CN" dirty="0"/>
+                        <a:t>7</a:t>
+                      </a:r>
+                      <a:endParaRPr lang="zh-CN" altLang="en-US" dirty="0"/>
+                    </a:p>
+                  </a:txBody>
+                  <a:tcPr/>
+                </a:tc>
+                <a:tc>
+                  <a:txBody>
+                    <a:bodyPr/>
+                    <a:lstStyle/>
+                    <a:p>
+                      <a:r>
+                        <a:rPr lang="en-US" altLang="zh-CN" dirty="0"/>
+                        <a:t>8</a:t>
+                      </a:r>
+                      <a:endParaRPr lang="zh-CN" altLang="en-US" dirty="0"/>
+                    </a:p>
+                  </a:txBody>
+                  <a:tcPr/>
+                </a:tc>
+                <a:tc>
+                  <a:txBody>
+                    <a:bodyPr/>
+                    <a:lstStyle/>
+                    <a:p>
+                      <a:r>
+                        <a:rPr lang="en-US" altLang="zh-CN" dirty="0"/>
+                        <a:t>9</a:t>
+                      </a:r>
+                      <a:endParaRPr lang="zh-CN" altLang="en-US" dirty="0"/>
+                    </a:p>
+                  </a:txBody>
+                  <a:tcPr/>
+                </a:tc>
+                <a:tc>
+                  <a:txBody>
+                    <a:bodyPr/>
+                    <a:lstStyle/>
+                    <a:p>
+                      <a:r>
+                        <a:rPr lang="en-US" altLang="zh-CN" dirty="0"/>
+                        <a:t>10</a:t>
+                      </a:r>
+                      <a:endParaRPr lang="zh-CN" altLang="en-US" dirty="0"/>
+                    </a:p>
+                  </a:txBody>
+                  <a:tcPr/>
+                </a:tc>
+                <a:extLst>
+                  <a:ext uri="{0D108BD9-81ED-4DB2-BD59-A6C34878D82A}">
+                    <a16:rowId xmlns:a16="http://schemas.microsoft.com/office/drawing/2014/main" val="3104533703"/>
+                  </a:ext>
+                </a:extLst>
+              </a:tr>
+              <a:tr h="370840">
+                <a:tc>
+                  <a:txBody>
+                    <a:bodyPr/>
+                    <a:lstStyle/>
+                    <a:p>
+                      <a:r>
+                        <a:rPr lang="en-US" altLang="zh-CN" dirty="0"/>
+                        <a:t>OPB-Write</a:t>
+                      </a:r>
+                      <a:endParaRPr lang="zh-CN" altLang="en-US" dirty="0"/>
+                    </a:p>
+                  </a:txBody>
+                  <a:tcPr/>
+                </a:tc>
+                <a:tc>
+                  <a:txBody>
+                    <a:bodyPr/>
+                    <a:lstStyle/>
+                    <a:p>
+                      <a:r>
+                        <a:rPr lang="en-US" altLang="zh-CN" dirty="0"/>
+                        <a:t>5A</a:t>
+                      </a:r>
+                      <a:endParaRPr lang="zh-CN" altLang="en-US" dirty="0"/>
+                    </a:p>
+                  </a:txBody>
+                  <a:tcPr/>
+                </a:tc>
+                <a:tc gridSpan="4">
+                  <a:txBody>
+                    <a:bodyPr/>
+                    <a:lstStyle/>
+                    <a:p>
+                      <a:r>
+                        <a:rPr lang="en-US" altLang="zh-CN" dirty="0"/>
+                        <a:t>OPB_ADDR[31:0]</a:t>
+                      </a:r>
+                      <a:endParaRPr lang="zh-CN" altLang="en-US" dirty="0"/>
+                    </a:p>
+                  </a:txBody>
+                  <a:tcPr/>
+                </a:tc>
+                <a:tc hMerge="1">
+                  <a:txBody>
+                    <a:bodyPr/>
+                    <a:lstStyle/>
+                    <a:p>
+                      <a:endParaRPr lang="zh-CN" altLang="en-US" dirty="0"/>
+                    </a:p>
+                  </a:txBody>
+                  <a:tcPr/>
+                </a:tc>
+                <a:tc hMerge="1">
+                  <a:txBody>
+                    <a:bodyPr/>
+                    <a:lstStyle/>
+                    <a:p>
+                      <a:endParaRPr lang="zh-CN" altLang="en-US" dirty="0"/>
+                    </a:p>
+                  </a:txBody>
+                  <a:tcPr/>
+                </a:tc>
+                <a:tc hMerge="1">
+                  <a:txBody>
+                    <a:bodyPr/>
+                    <a:lstStyle/>
+                    <a:p>
+                      <a:endParaRPr lang="zh-CN" altLang="en-US" dirty="0"/>
+                    </a:p>
+                  </a:txBody>
+                  <a:tcPr/>
+                </a:tc>
+                <a:tc gridSpan="4">
+                  <a:txBody>
+                    <a:bodyPr/>
+                    <a:lstStyle/>
+                    <a:p>
+                      <a:r>
+                        <a:rPr lang="en-US" altLang="zh-CN" dirty="0"/>
+                        <a:t>OPB_DO[31:0]</a:t>
+                      </a:r>
+                      <a:endParaRPr lang="zh-CN" altLang="en-US" dirty="0"/>
+                    </a:p>
+                  </a:txBody>
+                  <a:tcPr/>
+                </a:tc>
+                <a:tc hMerge="1">
+                  <a:txBody>
+                    <a:bodyPr/>
+                    <a:lstStyle/>
+                    <a:p>
+                      <a:endParaRPr lang="zh-CN" altLang="en-US" dirty="0"/>
+                    </a:p>
+                  </a:txBody>
+                  <a:tcPr/>
+                </a:tc>
+                <a:tc hMerge="1">
+                  <a:txBody>
+                    <a:bodyPr/>
+                    <a:lstStyle/>
+                    <a:p>
+                      <a:endParaRPr lang="zh-CN" altLang="en-US" dirty="0"/>
+                    </a:p>
+                  </a:txBody>
+                  <a:tcPr/>
+                </a:tc>
+                <a:tc hMerge="1">
+                  <a:txBody>
+                    <a:bodyPr/>
+                    <a:lstStyle/>
+                    <a:p>
+                      <a:endParaRPr lang="zh-CN" altLang="en-US" dirty="0"/>
+                    </a:p>
+                  </a:txBody>
+                  <a:tcPr/>
+                </a:tc>
+                <a:tc>
+                  <a:txBody>
+                    <a:bodyPr/>
+                    <a:lstStyle/>
+                    <a:p>
+                      <a:r>
+                        <a:rPr lang="en-US" altLang="zh-CN" dirty="0"/>
+                        <a:t>A5</a:t>
+                      </a:r>
+                      <a:endParaRPr lang="zh-CN" altLang="en-US" dirty="0"/>
+                    </a:p>
+                  </a:txBody>
+                  <a:tcPr/>
+                </a:tc>
+                <a:extLst>
+                  <a:ext uri="{0D108BD9-81ED-4DB2-BD59-A6C34878D82A}">
+                    <a16:rowId xmlns:a16="http://schemas.microsoft.com/office/drawing/2014/main" val="2518233116"/>
+                  </a:ext>
+                </a:extLst>
+              </a:tr>
+              <a:tr h="370840">
+                <a:tc>
+                  <a:txBody>
+                    <a:bodyPr/>
+                    <a:lstStyle/>
+                    <a:p>
+                      <a:r>
+                        <a:rPr lang="en-US" altLang="zh-CN" dirty="0"/>
+                        <a:t>OPB-Read</a:t>
+                      </a:r>
+                      <a:endParaRPr lang="zh-CN" altLang="en-US" dirty="0"/>
+                    </a:p>
+                  </a:txBody>
+                  <a:tcPr/>
+                </a:tc>
+                <a:tc>
+                  <a:txBody>
+                    <a:bodyPr/>
+                    <a:lstStyle/>
+                    <a:p>
+                      <a:r>
+                        <a:rPr lang="en-US" altLang="zh-CN" dirty="0"/>
+                        <a:t>5B</a:t>
+                      </a:r>
+                      <a:endParaRPr lang="zh-CN" altLang="en-US" dirty="0"/>
+                    </a:p>
+                  </a:txBody>
+                  <a:tcPr/>
+                </a:tc>
+                <a:tc gridSpan="4">
+                  <a:txBody>
+                    <a:bodyPr/>
+                    <a:lstStyle/>
+                    <a:p>
+                      <a:pPr marL="0" marR="0" lvl="0" indent="0" algn="l" defTabSz="914400" rtl="0" eaLnBrk="1" fontAlgn="auto" latinLnBrk="0" hangingPunct="1">
+                        <a:lnSpc>
+                          <a:spcPct val="100000"/>
+                        </a:lnSpc>
+                        <a:spcBef>
+                          <a:spcPts val="0"/>
+                        </a:spcBef>
+                        <a:spcAft>
+                          <a:spcPts val="0"/>
+                        </a:spcAft>
+                        <a:buClrTx/>
+                        <a:buSzTx/>
+                        <a:buFontTx/>
+                        <a:buNone/>
+                        <a:tabLst/>
+                        <a:defRPr/>
+                      </a:pPr>
+                      <a:r>
+                        <a:rPr lang="en-US" altLang="zh-CN" dirty="0"/>
+                        <a:t>OPB_ADDR[31:0]</a:t>
+                      </a:r>
+                      <a:endParaRPr lang="zh-CN" altLang="en-US" dirty="0"/>
+                    </a:p>
+                  </a:txBody>
+                  <a:tcPr/>
+                </a:tc>
+                <a:tc hMerge="1">
+                  <a:txBody>
+                    <a:bodyPr/>
+                    <a:lstStyle/>
+                    <a:p>
+                      <a:endParaRPr lang="zh-CN" altLang="en-US" dirty="0"/>
+                    </a:p>
+                  </a:txBody>
+                  <a:tcPr/>
+                </a:tc>
+                <a:tc hMerge="1">
+                  <a:txBody>
+                    <a:bodyPr/>
+                    <a:lstStyle/>
+                    <a:p>
+                      <a:endParaRPr lang="zh-CN" altLang="en-US" dirty="0"/>
+                    </a:p>
+                  </a:txBody>
+                  <a:tcPr/>
+                </a:tc>
+                <a:tc hMerge="1">
+                  <a:txBody>
+                    <a:bodyPr/>
+                    <a:lstStyle/>
+                    <a:p>
+                      <a:endParaRPr lang="zh-CN" altLang="en-US" dirty="0"/>
+                    </a:p>
+                  </a:txBody>
+                  <a:tcPr/>
+                </a:tc>
+                <a:tc gridSpan="4">
+                  <a:txBody>
+                    <a:bodyPr/>
+                    <a:lstStyle/>
+                    <a:p>
+                      <a:pPr marL="0" marR="0" lvl="0" indent="0" algn="l" defTabSz="914400" rtl="0" eaLnBrk="1" fontAlgn="auto" latinLnBrk="0" hangingPunct="1">
+                        <a:lnSpc>
+                          <a:spcPct val="100000"/>
+                        </a:lnSpc>
+                        <a:spcBef>
+                          <a:spcPts val="0"/>
+                        </a:spcBef>
+                        <a:spcAft>
+                          <a:spcPts val="0"/>
+                        </a:spcAft>
+                        <a:buClrTx/>
+                        <a:buSzTx/>
+                        <a:buFontTx/>
+                        <a:buNone/>
+                        <a:tabLst/>
+                        <a:defRPr/>
+                      </a:pPr>
+                      <a:r>
+                        <a:rPr lang="en-US" altLang="zh-CN" dirty="0"/>
+                        <a:t>OPB_DI[31:0]</a:t>
+                      </a:r>
+                      <a:endParaRPr lang="zh-CN" altLang="en-US" dirty="0"/>
+                    </a:p>
+                  </a:txBody>
+                  <a:tcPr/>
+                </a:tc>
+                <a:tc hMerge="1">
+                  <a:txBody>
+                    <a:bodyPr/>
+                    <a:lstStyle/>
+                    <a:p>
+                      <a:endParaRPr lang="zh-CN" altLang="en-US" dirty="0"/>
+                    </a:p>
+                  </a:txBody>
+                  <a:tcPr/>
+                </a:tc>
+                <a:tc hMerge="1">
+                  <a:txBody>
+                    <a:bodyPr/>
+                    <a:lstStyle/>
+                    <a:p>
+                      <a:endParaRPr lang="zh-CN" altLang="en-US" dirty="0"/>
+                    </a:p>
+                  </a:txBody>
+                  <a:tcPr/>
+                </a:tc>
+                <a:tc hMerge="1">
+                  <a:txBody>
+                    <a:bodyPr/>
+                    <a:lstStyle/>
+                    <a:p>
+                      <a:endParaRPr lang="zh-CN" altLang="en-US" dirty="0"/>
+                    </a:p>
+                  </a:txBody>
+                  <a:tcPr/>
+                </a:tc>
+                <a:tc>
+                  <a:txBody>
+                    <a:bodyPr/>
+                    <a:lstStyle/>
+                    <a:p>
+                      <a:r>
+                        <a:rPr lang="en-US" altLang="zh-CN" dirty="0"/>
+                        <a:t>A4</a:t>
+                      </a:r>
+                      <a:endParaRPr lang="zh-CN" altLang="en-US" dirty="0"/>
+                    </a:p>
+                  </a:txBody>
+                  <a:tcPr/>
+                </a:tc>
+                <a:extLst>
+                  <a:ext uri="{0D108BD9-81ED-4DB2-BD59-A6C34878D82A}">
+                    <a16:rowId xmlns:a16="http://schemas.microsoft.com/office/drawing/2014/main" val="1624360420"/>
+                  </a:ext>
+                </a:extLst>
+              </a:tr>
+            </a:tbl>
+          </a:graphicData>
+        </a:graphic>
+      </p:graphicFrame>
+      <p:pic>
+        <p:nvPicPr>
+          <p:cNvPr id="9" name="图片 8">
+            <a:extLst>
+              <a:ext uri="{FF2B5EF4-FFF2-40B4-BE49-F238E27FC236}">
+                <a16:creationId xmlns:a16="http://schemas.microsoft.com/office/drawing/2014/main" id="{901EBDE3-42E9-4E0A-E009-A6D4B1AE43B8}"/>
+              </a:ext>
+            </a:extLst>
+          </p:cNvPr>
+          <p:cNvPicPr>
+            <a:picLocks noChangeAspect="1"/>
+          </p:cNvPicPr>
+          <p:nvPr/>
+        </p:nvPicPr>
+        <p:blipFill>
+          <a:blip r:embed="rId2"/>
+          <a:stretch>
+            <a:fillRect/>
+          </a:stretch>
+        </p:blipFill>
+        <p:spPr>
+          <a:xfrm>
+            <a:off x="5249923" y="233058"/>
+            <a:ext cx="6892735" cy="5096329"/>
+          </a:xfrm>
+          <a:prstGeom prst="rect">
+            <a:avLst/>
+          </a:prstGeom>
+        </p:spPr>
+      </p:pic>
+    </p:spTree>
+    <p:extLst>
+      <p:ext uri="{BB962C8B-B14F-4D97-AF65-F5344CB8AC3E}">
+        <p14:creationId xmlns:p14="http://schemas.microsoft.com/office/powerpoint/2010/main" val="2587723133"/>
+      </p:ext>
+    </p:extLst>
+  </p:cSld>
+  <p:clrMapOvr>
+    <a:masterClrMapping/>
+  </p:clrMapOvr>
+</p:sld>
+</file>
+
+<file path=ppt/slides/slide5.xml><?xml version="1.0" encoding="utf-8"?>
+<p:sld xmlns:a="http://schemas.openxmlformats.org/drawingml/2006/main" xmlns:r="http://schemas.openxmlformats.org/officeDocument/2006/relationships" xmlns:p="http://schemas.openxmlformats.org/presentationml/2006/main">
+  <p:cSld>
+    <p:spTree>
+      <p:nvGrpSpPr>
+        <p:cNvPr id="1" name=""/>
+        <p:cNvGrpSpPr/>
+        <p:nvPr/>
+      </p:nvGrpSpPr>
+      <p:grpSpPr>
+        <a:xfrm>
+          <a:off x="0" y="0"/>
+          <a:ext cx="0" cy="0"/>
+          <a:chOff x="0" y="0"/>
+          <a:chExt cx="0" cy="0"/>
+        </a:xfrm>
+      </p:grpSpPr>
+      <p:pic>
+        <p:nvPicPr>
+          <p:cNvPr id="4" name="图片 3">
+            <a:extLst>
+              <a:ext uri="{FF2B5EF4-FFF2-40B4-BE49-F238E27FC236}">
+                <a16:creationId xmlns:a16="http://schemas.microsoft.com/office/drawing/2014/main" id="{739EF944-50A1-CE60-07D2-16CEE62C67C0}"/>
+              </a:ext>
+            </a:extLst>
+          </p:cNvPr>
+          <p:cNvPicPr>
+            <a:picLocks noChangeAspect="1"/>
+          </p:cNvPicPr>
+          <p:nvPr/>
+        </p:nvPicPr>
+        <p:blipFill>
+          <a:blip r:embed="rId2"/>
+          <a:stretch>
+            <a:fillRect/>
+          </a:stretch>
+        </p:blipFill>
+        <p:spPr>
+          <a:xfrm>
+            <a:off x="293697" y="0"/>
+            <a:ext cx="11604606" cy="6858000"/>
+          </a:xfrm>
+          <a:prstGeom prst="rect">
+            <a:avLst/>
+          </a:prstGeom>
+        </p:spPr>
+      </p:pic>
+    </p:spTree>
+    <p:extLst>
+      <p:ext uri="{BB962C8B-B14F-4D97-AF65-F5344CB8AC3E}">
+        <p14:creationId xmlns:p14="http://schemas.microsoft.com/office/powerpoint/2010/main" val="3257368416"/>
+      </p:ext>
+    </p:extLst>
+  </p:cSld>
+  <p:clrMapOvr>
+    <a:masterClrMapping/>
+  </p:clrMapOvr>
+</p:sld>
+</file>
+
 <file path=ppt/theme/theme1.xml><?xml version="1.0" encoding="utf-8"?>
 <a:theme xmlns:a="http://schemas.openxmlformats.org/drawingml/2006/main" name="Office 主题​​">
   <a:themeElements>
